--- a/数据科学基础/数据降维方法.pptx
+++ b/数据科学基础/数据降维方法.pptx
@@ -5,10 +5,10 @@
     <p:sldMasterId id="2147483648" r:id="rId1"/>
   </p:sldMasterIdLst>
   <p:notesMasterIdLst>
-    <p:notesMasterId r:id="rId22"/>
+    <p:notesMasterId r:id="rId25"/>
   </p:notesMasterIdLst>
   <p:handoutMasterIdLst>
-    <p:handoutMasterId r:id="rId23"/>
+    <p:handoutMasterId r:id="rId26"/>
   </p:handoutMasterIdLst>
   <p:sldIdLst>
     <p:sldId id="319" r:id="rId2"/>
@@ -26,16 +26,19 @@
     <p:sldId id="329" r:id="rId14"/>
     <p:sldId id="320" r:id="rId15"/>
     <p:sldId id="321" r:id="rId16"/>
-    <p:sldId id="330" r:id="rId17"/>
-    <p:sldId id="331" r:id="rId18"/>
-    <p:sldId id="332" r:id="rId19"/>
-    <p:sldId id="333" r:id="rId20"/>
-    <p:sldId id="318" r:id="rId21"/>
+    <p:sldId id="334" r:id="rId17"/>
+    <p:sldId id="330" r:id="rId18"/>
+    <p:sldId id="335" r:id="rId19"/>
+    <p:sldId id="331" r:id="rId20"/>
+    <p:sldId id="336" r:id="rId21"/>
+    <p:sldId id="332" r:id="rId22"/>
+    <p:sldId id="333" r:id="rId23"/>
+    <p:sldId id="318" r:id="rId24"/>
   </p:sldIdLst>
   <p:sldSz cx="9144000" cy="5143500" type="screen16x9"/>
   <p:notesSz cx="6858000" cy="9144000"/>
   <p:custDataLst>
-    <p:tags r:id="rId24"/>
+    <p:tags r:id="rId27"/>
   </p:custDataLst>
   <p:defaultTextStyle>
     <a:defPPr>
@@ -247,7 +250,7 @@
           <a:p>
             <a:fld id="{2353A075-29DF-4CAE-8BA7-CDA0ED456C88}" type="datetimeFigureOut">
               <a:rPr lang="zh-CN" altLang="en-US" smtClean="0"/>
-              <a:t>2019/6/3</a:t>
+              <a:t>2019/6/4</a:t>
             </a:fld>
             <a:endParaRPr lang="zh-CN" altLang="en-US"/>
           </a:p>
@@ -412,7 +415,7 @@
           <a:p>
             <a:fld id="{6A2B73EA-EE91-4E33-A9C1-8BF5DD7139A2}" type="datetimeFigureOut">
               <a:rPr lang="zh-CN" altLang="en-US" smtClean="0"/>
-              <a:t>2019/6/3</a:t>
+              <a:t>2019/6/4</a:t>
             </a:fld>
             <a:endParaRPr lang="zh-CN" altLang="en-US"/>
           </a:p>
@@ -1406,7 +1409,7 @@
     </p:spTree>
     <p:extLst>
       <p:ext uri="{BB962C8B-B14F-4D97-AF65-F5344CB8AC3E}">
-        <p14:creationId xmlns:p14="http://schemas.microsoft.com/office/powerpoint/2010/main" val="221146375"/>
+        <p14:creationId xmlns:p14="http://schemas.microsoft.com/office/powerpoint/2010/main" val="1299487924"/>
       </p:ext>
     </p:extLst>
   </p:cSld>
@@ -1490,7 +1493,7 @@
     </p:spTree>
     <p:extLst>
       <p:ext uri="{BB962C8B-B14F-4D97-AF65-F5344CB8AC3E}">
-        <p14:creationId xmlns:p14="http://schemas.microsoft.com/office/powerpoint/2010/main" val="772644770"/>
+        <p14:creationId xmlns:p14="http://schemas.microsoft.com/office/powerpoint/2010/main" val="221146375"/>
       </p:ext>
     </p:extLst>
   </p:cSld>
@@ -1574,7 +1577,7 @@
     </p:spTree>
     <p:extLst>
       <p:ext uri="{BB962C8B-B14F-4D97-AF65-F5344CB8AC3E}">
-        <p14:creationId xmlns:p14="http://schemas.microsoft.com/office/powerpoint/2010/main" val="2381903964"/>
+        <p14:creationId xmlns:p14="http://schemas.microsoft.com/office/powerpoint/2010/main" val="3536868171"/>
       </p:ext>
     </p:extLst>
   </p:cSld>
@@ -1658,7 +1661,7 @@
     </p:spTree>
     <p:extLst>
       <p:ext uri="{BB962C8B-B14F-4D97-AF65-F5344CB8AC3E}">
-        <p14:creationId xmlns:p14="http://schemas.microsoft.com/office/powerpoint/2010/main" val="1445241145"/>
+        <p14:creationId xmlns:p14="http://schemas.microsoft.com/office/powerpoint/2010/main" val="772644770"/>
       </p:ext>
     </p:extLst>
   </p:cSld>
@@ -1779,6 +1782,258 @@
             <p:ph type="sldImg"/>
           </p:nvPr>
         </p:nvSpPr>
+        <p:spPr/>
+      </p:sp>
+      <p:sp>
+        <p:nvSpPr>
+          <p:cNvPr id="3" name="备注占位符 2"/>
+          <p:cNvSpPr>
+            <a:spLocks noGrp="1"/>
+          </p:cNvSpPr>
+          <p:nvPr>
+            <p:ph type="body" idx="1"/>
+          </p:nvPr>
+        </p:nvSpPr>
+        <p:spPr/>
+        <p:txBody>
+          <a:bodyPr/>
+          <a:lstStyle/>
+          <a:p>
+            <a:endParaRPr lang="zh-CN" altLang="en-US"/>
+          </a:p>
+        </p:txBody>
+      </p:sp>
+      <p:sp>
+        <p:nvSpPr>
+          <p:cNvPr id="4" name="灯片编号占位符 3"/>
+          <p:cNvSpPr>
+            <a:spLocks noGrp="1"/>
+          </p:cNvSpPr>
+          <p:nvPr>
+            <p:ph type="sldNum" sz="quarter" idx="10"/>
+          </p:nvPr>
+        </p:nvSpPr>
+        <p:spPr/>
+        <p:txBody>
+          <a:bodyPr/>
+          <a:lstStyle/>
+          <a:p>
+            <a:fld id="{7392B679-AE23-4750-8FB0-6513430B8953}" type="slidenum">
+              <a:rPr lang="zh-CN" altLang="en-US" smtClean="0"/>
+              <a:t>20</a:t>
+            </a:fld>
+            <a:endParaRPr lang="zh-CN" altLang="en-US"/>
+          </a:p>
+        </p:txBody>
+      </p:sp>
+    </p:spTree>
+    <p:extLst>
+      <p:ext uri="{BB962C8B-B14F-4D97-AF65-F5344CB8AC3E}">
+        <p14:creationId xmlns:p14="http://schemas.microsoft.com/office/powerpoint/2010/main" val="4096212337"/>
+      </p:ext>
+    </p:extLst>
+  </p:cSld>
+  <p:clrMapOvr>
+    <a:masterClrMapping/>
+  </p:clrMapOvr>
+</p:notes>
+</file>
+
+<file path=ppt/notesSlides/notesSlide21.xml><?xml version="1.0" encoding="utf-8"?>
+<p:notes xmlns:a="http://schemas.openxmlformats.org/drawingml/2006/main" xmlns:r="http://schemas.openxmlformats.org/officeDocument/2006/relationships" xmlns:p="http://schemas.openxmlformats.org/presentationml/2006/main">
+  <p:cSld>
+    <p:spTree>
+      <p:nvGrpSpPr>
+        <p:cNvPr id="1" name=""/>
+        <p:cNvGrpSpPr/>
+        <p:nvPr/>
+      </p:nvGrpSpPr>
+      <p:grpSpPr>
+        <a:xfrm>
+          <a:off x="0" y="0"/>
+          <a:ext cx="0" cy="0"/>
+          <a:chOff x="0" y="0"/>
+          <a:chExt cx="0" cy="0"/>
+        </a:xfrm>
+      </p:grpSpPr>
+      <p:sp>
+        <p:nvSpPr>
+          <p:cNvPr id="2" name="幻灯片图像占位符 1"/>
+          <p:cNvSpPr>
+            <a:spLocks noGrp="1" noRot="1" noChangeAspect="1"/>
+          </p:cNvSpPr>
+          <p:nvPr>
+            <p:ph type="sldImg"/>
+          </p:nvPr>
+        </p:nvSpPr>
+        <p:spPr/>
+      </p:sp>
+      <p:sp>
+        <p:nvSpPr>
+          <p:cNvPr id="3" name="备注占位符 2"/>
+          <p:cNvSpPr>
+            <a:spLocks noGrp="1"/>
+          </p:cNvSpPr>
+          <p:nvPr>
+            <p:ph type="body" idx="1"/>
+          </p:nvPr>
+        </p:nvSpPr>
+        <p:spPr/>
+        <p:txBody>
+          <a:bodyPr/>
+          <a:lstStyle/>
+          <a:p>
+            <a:endParaRPr lang="zh-CN" altLang="en-US"/>
+          </a:p>
+        </p:txBody>
+      </p:sp>
+      <p:sp>
+        <p:nvSpPr>
+          <p:cNvPr id="4" name="灯片编号占位符 3"/>
+          <p:cNvSpPr>
+            <a:spLocks noGrp="1"/>
+          </p:cNvSpPr>
+          <p:nvPr>
+            <p:ph type="sldNum" sz="quarter" idx="10"/>
+          </p:nvPr>
+        </p:nvSpPr>
+        <p:spPr/>
+        <p:txBody>
+          <a:bodyPr/>
+          <a:lstStyle/>
+          <a:p>
+            <a:fld id="{7392B679-AE23-4750-8FB0-6513430B8953}" type="slidenum">
+              <a:rPr lang="zh-CN" altLang="en-US" smtClean="0"/>
+              <a:t>21</a:t>
+            </a:fld>
+            <a:endParaRPr lang="zh-CN" altLang="en-US"/>
+          </a:p>
+        </p:txBody>
+      </p:sp>
+    </p:spTree>
+    <p:extLst>
+      <p:ext uri="{BB962C8B-B14F-4D97-AF65-F5344CB8AC3E}">
+        <p14:creationId xmlns:p14="http://schemas.microsoft.com/office/powerpoint/2010/main" val="2381903964"/>
+      </p:ext>
+    </p:extLst>
+  </p:cSld>
+  <p:clrMapOvr>
+    <a:masterClrMapping/>
+  </p:clrMapOvr>
+</p:notes>
+</file>
+
+<file path=ppt/notesSlides/notesSlide22.xml><?xml version="1.0" encoding="utf-8"?>
+<p:notes xmlns:a="http://schemas.openxmlformats.org/drawingml/2006/main" xmlns:r="http://schemas.openxmlformats.org/officeDocument/2006/relationships" xmlns:p="http://schemas.openxmlformats.org/presentationml/2006/main">
+  <p:cSld>
+    <p:spTree>
+      <p:nvGrpSpPr>
+        <p:cNvPr id="1" name=""/>
+        <p:cNvGrpSpPr/>
+        <p:nvPr/>
+      </p:nvGrpSpPr>
+      <p:grpSpPr>
+        <a:xfrm>
+          <a:off x="0" y="0"/>
+          <a:ext cx="0" cy="0"/>
+          <a:chOff x="0" y="0"/>
+          <a:chExt cx="0" cy="0"/>
+        </a:xfrm>
+      </p:grpSpPr>
+      <p:sp>
+        <p:nvSpPr>
+          <p:cNvPr id="2" name="幻灯片图像占位符 1"/>
+          <p:cNvSpPr>
+            <a:spLocks noGrp="1" noRot="1" noChangeAspect="1"/>
+          </p:cNvSpPr>
+          <p:nvPr>
+            <p:ph type="sldImg"/>
+          </p:nvPr>
+        </p:nvSpPr>
+        <p:spPr/>
+      </p:sp>
+      <p:sp>
+        <p:nvSpPr>
+          <p:cNvPr id="3" name="备注占位符 2"/>
+          <p:cNvSpPr>
+            <a:spLocks noGrp="1"/>
+          </p:cNvSpPr>
+          <p:nvPr>
+            <p:ph type="body" idx="1"/>
+          </p:nvPr>
+        </p:nvSpPr>
+        <p:spPr/>
+        <p:txBody>
+          <a:bodyPr/>
+          <a:lstStyle/>
+          <a:p>
+            <a:endParaRPr lang="zh-CN" altLang="en-US"/>
+          </a:p>
+        </p:txBody>
+      </p:sp>
+      <p:sp>
+        <p:nvSpPr>
+          <p:cNvPr id="4" name="灯片编号占位符 3"/>
+          <p:cNvSpPr>
+            <a:spLocks noGrp="1"/>
+          </p:cNvSpPr>
+          <p:nvPr>
+            <p:ph type="sldNum" sz="quarter" idx="10"/>
+          </p:nvPr>
+        </p:nvSpPr>
+        <p:spPr/>
+        <p:txBody>
+          <a:bodyPr/>
+          <a:lstStyle/>
+          <a:p>
+            <a:fld id="{7392B679-AE23-4750-8FB0-6513430B8953}" type="slidenum">
+              <a:rPr lang="zh-CN" altLang="en-US" smtClean="0"/>
+              <a:t>22</a:t>
+            </a:fld>
+            <a:endParaRPr lang="zh-CN" altLang="en-US"/>
+          </a:p>
+        </p:txBody>
+      </p:sp>
+    </p:spTree>
+    <p:extLst>
+      <p:ext uri="{BB962C8B-B14F-4D97-AF65-F5344CB8AC3E}">
+        <p14:creationId xmlns:p14="http://schemas.microsoft.com/office/powerpoint/2010/main" val="1445241145"/>
+      </p:ext>
+    </p:extLst>
+  </p:cSld>
+  <p:clrMapOvr>
+    <a:masterClrMapping/>
+  </p:clrMapOvr>
+</p:notes>
+</file>
+
+<file path=ppt/notesSlides/notesSlide23.xml><?xml version="1.0" encoding="utf-8"?>
+<p:notes xmlns:a="http://schemas.openxmlformats.org/drawingml/2006/main" xmlns:r="http://schemas.openxmlformats.org/officeDocument/2006/relationships" xmlns:p="http://schemas.openxmlformats.org/presentationml/2006/main">
+  <p:cSld>
+    <p:spTree>
+      <p:nvGrpSpPr>
+        <p:cNvPr id="1" name=""/>
+        <p:cNvGrpSpPr/>
+        <p:nvPr/>
+      </p:nvGrpSpPr>
+      <p:grpSpPr>
+        <a:xfrm>
+          <a:off x="0" y="0"/>
+          <a:ext cx="0" cy="0"/>
+          <a:chOff x="0" y="0"/>
+          <a:chExt cx="0" cy="0"/>
+        </a:xfrm>
+      </p:grpSpPr>
+      <p:sp>
+        <p:nvSpPr>
+          <p:cNvPr id="2" name="幻灯片图像占位符 1"/>
+          <p:cNvSpPr>
+            <a:spLocks noGrp="1" noRot="1" noChangeAspect="1"/>
+          </p:cNvSpPr>
+          <p:nvPr>
+            <p:ph type="sldImg"/>
+          </p:nvPr>
+        </p:nvSpPr>
         <p:spPr>
           <a:xfrm>
             <a:off x="1371600" y="1143000"/>
@@ -1822,7 +2077,7 @@
           <a:p>
             <a:fld id="{7392B679-AE23-4750-8FB0-6513430B8953}" type="slidenum">
               <a:rPr lang="zh-CN" altLang="en-US" smtClean="0"/>
-              <a:t>20</a:t>
+              <a:t>23</a:t>
             </a:fld>
             <a:endParaRPr lang="zh-CN" altLang="en-US"/>
           </a:p>
@@ -2608,7 +2863,7 @@
           <a:p>
             <a:fld id="{530820CF-B880-4189-942D-D702A7CBA730}" type="datetimeFigureOut">
               <a:rPr lang="zh-CN" altLang="en-US" smtClean="0"/>
-              <a:t>2019/6/3</a:t>
+              <a:t>2019/6/4</a:t>
             </a:fld>
             <a:endParaRPr lang="zh-CN" altLang="en-US"/>
           </a:p>
@@ -2878,7 +3133,7 @@
           <a:p>
             <a:fld id="{530820CF-B880-4189-942D-D702A7CBA730}" type="datetimeFigureOut">
               <a:rPr lang="zh-CN" altLang="en-US" smtClean="0"/>
-              <a:t>2019/6/3</a:t>
+              <a:t>2019/6/4</a:t>
             </a:fld>
             <a:endParaRPr lang="zh-CN" altLang="en-US"/>
           </a:p>
@@ -3125,7 +3380,7 @@
           <a:p>
             <a:fld id="{530820CF-B880-4189-942D-D702A7CBA730}" type="datetimeFigureOut">
               <a:rPr lang="zh-CN" altLang="en-US" smtClean="0"/>
-              <a:t>2019/6/3</a:t>
+              <a:t>2019/6/4</a:t>
             </a:fld>
             <a:endParaRPr lang="zh-CN" altLang="en-US"/>
           </a:p>
@@ -3288,7 +3543,7 @@
           <a:p>
             <a:fld id="{530820CF-B880-4189-942D-D702A7CBA730}" type="datetimeFigureOut">
               <a:rPr lang="zh-CN" altLang="en-US" smtClean="0"/>
-              <a:t>2019/6/3</a:t>
+              <a:t>2019/6/4</a:t>
             </a:fld>
             <a:endParaRPr lang="zh-CN" altLang="en-US"/>
           </a:p>
@@ -3461,7 +3716,7 @@
           <a:p>
             <a:fld id="{530820CF-B880-4189-942D-D702A7CBA730}" type="datetimeFigureOut">
               <a:rPr lang="zh-CN" altLang="en-US" smtClean="0"/>
-              <a:t>2019/6/3</a:t>
+              <a:t>2019/6/4</a:t>
             </a:fld>
             <a:endParaRPr lang="zh-CN" altLang="en-US"/>
           </a:p>
@@ -4432,7 +4687,7 @@
           <a:p>
             <a:fld id="{530820CF-B880-4189-942D-D702A7CBA730}" type="datetimeFigureOut">
               <a:rPr lang="zh-CN" altLang="en-US" smtClean="0"/>
-              <a:t>2019/6/3</a:t>
+              <a:t>2019/6/4</a:t>
             </a:fld>
             <a:endParaRPr lang="zh-CN" altLang="en-US"/>
           </a:p>
@@ -4712,7 +4967,7 @@
           <a:p>
             <a:fld id="{530820CF-B880-4189-942D-D702A7CBA730}" type="datetimeFigureOut">
               <a:rPr lang="zh-CN" altLang="en-US" smtClean="0"/>
-              <a:t>2019/6/3</a:t>
+              <a:t>2019/6/4</a:t>
             </a:fld>
             <a:endParaRPr lang="zh-CN" altLang="en-US"/>
           </a:p>
@@ -5126,7 +5381,7 @@
           <a:p>
             <a:fld id="{530820CF-B880-4189-942D-D702A7CBA730}" type="datetimeFigureOut">
               <a:rPr lang="zh-CN" altLang="en-US" smtClean="0"/>
-              <a:t>2019/6/3</a:t>
+              <a:t>2019/6/4</a:t>
             </a:fld>
             <a:endParaRPr lang="zh-CN" altLang="en-US"/>
           </a:p>
@@ -5238,7 +5493,7 @@
           <a:p>
             <a:fld id="{530820CF-B880-4189-942D-D702A7CBA730}" type="datetimeFigureOut">
               <a:rPr lang="zh-CN" altLang="en-US" smtClean="0"/>
-              <a:t>2019/6/3</a:t>
+              <a:t>2019/6/4</a:t>
             </a:fld>
             <a:endParaRPr lang="zh-CN" altLang="en-US"/>
           </a:p>
@@ -5328,7 +5583,7 @@
           <a:p>
             <a:fld id="{530820CF-B880-4189-942D-D702A7CBA730}" type="datetimeFigureOut">
               <a:rPr lang="zh-CN" altLang="en-US" smtClean="0"/>
-              <a:t>2019/6/3</a:t>
+              <a:t>2019/6/4</a:t>
             </a:fld>
             <a:endParaRPr lang="zh-CN" altLang="en-US"/>
           </a:p>
@@ -5534,7 +5789,7 @@
           <a:p>
             <a:fld id="{530820CF-B880-4189-942D-D702A7CBA730}" type="datetimeFigureOut">
               <a:rPr lang="zh-CN" altLang="en-US" smtClean="0"/>
-              <a:t>2019/6/3</a:t>
+              <a:t>2019/6/4</a:t>
             </a:fld>
             <a:endParaRPr lang="zh-CN" altLang="en-US"/>
           </a:p>
@@ -7423,8 +7678,8 @@
           </a:p>
         </p:txBody>
       </p:sp>
-      <mc:AlternateContent xmlns:mc="http://schemas.openxmlformats.org/markup-compatibility/2006">
-        <mc:Choice xmlns:a14="http://schemas.microsoft.com/office/drawing/2010/main" Requires="a14">
+      <mc:AlternateContent xmlns:mc="http://schemas.openxmlformats.org/markup-compatibility/2006" xmlns:a14="http://schemas.microsoft.com/office/drawing/2010/main">
+        <mc:Choice Requires="a14">
           <p:sp>
             <p:nvSpPr>
               <p:cNvPr id="4" name="矩形 3"/>
@@ -8376,7 +8631,7 @@
             </p:txBody>
           </p:sp>
         </mc:Choice>
-        <mc:Fallback>
+        <mc:Fallback xmlns="">
           <p:sp>
             <p:nvSpPr>
               <p:cNvPr id="4" name="矩形 3"/>
@@ -9143,16 +9398,6 @@
               </a:rPr>
               <a:t>        因此，只要确定合适的投影维度，随机投影和其他投影方法并不会有太大差别，投影效果都是可以接受的。同时随机投影最容易实现，是常用的降维方法。</a:t>
             </a:r>
-            <a:endParaRPr lang="zh-CN" altLang="en-US" sz="1200" dirty="0" smtClean="0">
-              <a:solidFill>
-                <a:schemeClr val="tx1">
-                  <a:lumMod val="75000"/>
-                  <a:lumOff val="25000"/>
-                </a:schemeClr>
-              </a:solidFill>
-              <a:latin typeface="微软雅黑" panose="020B0503020204020204" pitchFamily="34" charset="-122"/>
-              <a:ea typeface="微软雅黑" panose="020B0503020204020204" pitchFamily="34" charset="-122"/>
-            </a:endParaRPr>
           </a:p>
         </p:txBody>
       </p:sp>
@@ -10755,16 +11000,6 @@
               </a:rPr>
               <a:t>张图片。</a:t>
             </a:r>
-            <a:endParaRPr lang="zh-CN" altLang="en-US" sz="1200" dirty="0" smtClean="0">
-              <a:solidFill>
-                <a:schemeClr val="tx1">
-                  <a:lumMod val="75000"/>
-                  <a:lumOff val="25000"/>
-                </a:schemeClr>
-              </a:solidFill>
-              <a:latin typeface="微软雅黑" panose="020B0503020204020204" pitchFamily="34" charset="-122"/>
-              <a:ea typeface="微软雅黑" panose="020B0503020204020204" pitchFamily="34" charset="-122"/>
-            </a:endParaRPr>
           </a:p>
         </p:txBody>
       </p:sp>
@@ -10878,70 +11113,76 @@
           </a:p>
         </p:txBody>
       </p:sp>
-      <p:pic>
-        <p:nvPicPr>
-          <p:cNvPr id="5" name="图片 4"/>
-          <p:cNvPicPr>
-            <a:picLocks noChangeAspect="1"/>
-          </p:cNvPicPr>
+      <p:sp>
+        <p:nvSpPr>
+          <p:cNvPr id="8" name="文本框 7"/>
+          <p:cNvSpPr txBox="1"/>
           <p:nvPr/>
-        </p:nvPicPr>
-        <p:blipFill>
-          <a:blip r:embed="rId3" cstate="print">
-            <a:extLst>
-              <a:ext uri="{28A0092B-C50C-407E-A947-70E740481C1C}">
-                <a14:useLocalDpi xmlns:a14="http://schemas.microsoft.com/office/drawing/2010/main" val="0"/>
-              </a:ext>
-            </a:extLst>
-          </a:blip>
-          <a:stretch>
-            <a:fillRect/>
-          </a:stretch>
-        </p:blipFill>
+        </p:nvSpPr>
         <p:spPr>
           <a:xfrm>
-            <a:off x="2051720" y="1851670"/>
-            <a:ext cx="3132904" cy="3242491"/>
+            <a:off x="862126" y="2628900"/>
+            <a:ext cx="7560840" cy="1167692"/>
           </a:xfrm>
           <a:prstGeom prst="rect">
             <a:avLst/>
           </a:prstGeom>
+          <a:noFill/>
         </p:spPr>
-      </p:pic>
-      <p:pic>
-        <p:nvPicPr>
-          <p:cNvPr id="8" name="图片 7"/>
-          <p:cNvPicPr>
-            <a:picLocks noChangeAspect="1"/>
-          </p:cNvPicPr>
-          <p:nvPr/>
-        </p:nvPicPr>
-        <p:blipFill>
-          <a:blip r:embed="rId4">
-            <a:extLst>
-              <a:ext uri="{28A0092B-C50C-407E-A947-70E740481C1C}">
-                <a14:useLocalDpi xmlns:a14="http://schemas.microsoft.com/office/drawing/2010/main" val="0"/>
-              </a:ext>
-            </a:extLst>
-          </a:blip>
-          <a:stretch>
-            <a:fillRect/>
-          </a:stretch>
-        </p:blipFill>
-        <p:spPr>
-          <a:xfrm>
-            <a:off x="6732240" y="843558"/>
-            <a:ext cx="1382925" cy="4159538"/>
-          </a:xfrm>
-          <a:prstGeom prst="rect">
-            <a:avLst/>
-          </a:prstGeom>
-        </p:spPr>
-      </p:pic>
+        <p:txBody>
+          <a:bodyPr wrap="square" rtlCol="0">
+            <a:spAutoFit/>
+          </a:bodyPr>
+          <a:lstStyle/>
+          <a:p>
+            <a:pPr>
+              <a:lnSpc>
+                <a:spcPct val="150000"/>
+              </a:lnSpc>
+            </a:pPr>
+            <a:r>
+              <a:rPr lang="zh-CN" altLang="en-US" sz="1200" dirty="0" smtClean="0">
+                <a:solidFill>
+                  <a:schemeClr val="tx1">
+                    <a:lumMod val="75000"/>
+                    <a:lumOff val="25000"/>
+                  </a:schemeClr>
+                </a:solidFill>
+                <a:latin typeface="微软雅黑" panose="020B0503020204020204" pitchFamily="34" charset="-122"/>
+                <a:ea typeface="微软雅黑" panose="020B0503020204020204" pitchFamily="34" charset="-122"/>
+              </a:rPr>
+              <a:t>        因为</a:t>
+            </a:r>
+            <a:r>
+              <a:rPr lang="zh-CN" altLang="en-US" sz="1200" dirty="0">
+                <a:solidFill>
+                  <a:schemeClr val="tx1">
+                    <a:lumMod val="75000"/>
+                    <a:lumOff val="25000"/>
+                  </a:schemeClr>
+                </a:solidFill>
+                <a:latin typeface="微软雅黑" panose="020B0503020204020204" pitchFamily="34" charset="-122"/>
+                <a:ea typeface="微软雅黑" panose="020B0503020204020204" pitchFamily="34" charset="-122"/>
+              </a:rPr>
+              <a:t>本实验的目的只是为了验证不同降维方法的效果，因此对于后续的分类操作只是简单的通过计算图片数据间的欧式距离决定图片的类别，并不准备使用复杂的神经网络，因此这会影响实验结果的分析，无法分辨分类效果的优劣是由降维方法导致的还是由于神经网络模型及其参数选择决定的。同时，本实验的评价指标也相应简化，只计算多分类结果的正确率。</a:t>
+            </a:r>
+            <a:endParaRPr lang="zh-CN" altLang="en-US" sz="1200" dirty="0" smtClean="0">
+              <a:solidFill>
+                <a:schemeClr val="tx1">
+                  <a:lumMod val="75000"/>
+                  <a:lumOff val="25000"/>
+                </a:schemeClr>
+              </a:solidFill>
+              <a:latin typeface="微软雅黑" panose="020B0503020204020204" pitchFamily="34" charset="-122"/>
+              <a:ea typeface="微软雅黑" panose="020B0503020204020204" pitchFamily="34" charset="-122"/>
+            </a:endParaRPr>
+          </a:p>
+        </p:txBody>
+      </p:sp>
     </p:spTree>
     <p:extLst>
       <p:ext uri="{BB962C8B-B14F-4D97-AF65-F5344CB8AC3E}">
-        <p14:creationId xmlns:p14="http://schemas.microsoft.com/office/powerpoint/2010/main" val="2052600161"/>
+        <p14:creationId xmlns:p14="http://schemas.microsoft.com/office/powerpoint/2010/main" val="4035389601"/>
       </p:ext>
     </p:extLst>
   </p:cSld>
@@ -11220,7 +11461,7 @@
                 <a:latin typeface="微软雅黑" panose="020B0503020204020204" pitchFamily="34" charset="-122"/>
                 <a:ea typeface="微软雅黑" panose="020B0503020204020204" pitchFamily="34" charset="-122"/>
               </a:rPr>
-              <a:t>实验结果</a:t>
+              <a:t>实验数据与实验设计</a:t>
             </a:r>
             <a:endParaRPr lang="en-GB" altLang="zh-CN" sz="1800" b="1" dirty="0">
               <a:solidFill>
@@ -11235,367 +11476,16 @@
           </a:p>
         </p:txBody>
       </p:sp>
-      <p:graphicFrame>
-        <p:nvGraphicFramePr>
-          <p:cNvPr id="2" name="表格 1"/>
-          <p:cNvGraphicFramePr>
-            <a:graphicFrameLocks noGrp="1"/>
-          </p:cNvGraphicFramePr>
-          <p:nvPr>
-            <p:extLst>
-              <p:ext uri="{D42A27DB-BD31-4B8C-83A1-F6EECF244321}">
-                <p14:modId xmlns:p14="http://schemas.microsoft.com/office/powerpoint/2010/main" val="201226851"/>
-              </p:ext>
-            </p:extLst>
-          </p:nvPr>
-        </p:nvGraphicFramePr>
-        <p:xfrm>
-          <a:off x="2267744" y="1563638"/>
-          <a:ext cx="4032448" cy="2133600"/>
-        </p:xfrm>
-        <a:graphic>
-          <a:graphicData uri="http://schemas.openxmlformats.org/drawingml/2006/table">
-            <a:tbl>
-              <a:tblPr firstRow="1" bandRow="1">
-                <a:tableStyleId>{8A107856-5554-42FB-B03E-39F5DBC370BA}</a:tableStyleId>
-              </a:tblPr>
-              <a:tblGrid>
-                <a:gridCol w="2448272">
-                  <a:extLst>
-                    <a:ext uri="{9D8B030D-6E8A-4147-A177-3AD203B41FA5}">
-                      <a16:colId xmlns:a16="http://schemas.microsoft.com/office/drawing/2014/main" val="801771849"/>
-                    </a:ext>
-                  </a:extLst>
-                </a:gridCol>
-                <a:gridCol w="1584176">
-                  <a:extLst>
-                    <a:ext uri="{9D8B030D-6E8A-4147-A177-3AD203B41FA5}">
-                      <a16:colId xmlns:a16="http://schemas.microsoft.com/office/drawing/2014/main" val="3160943213"/>
-                    </a:ext>
-                  </a:extLst>
-                </a:gridCol>
-              </a:tblGrid>
-              <a:tr h="277745">
-                <a:tc>
-                  <a:txBody>
-                    <a:bodyPr/>
-                    <a:lstStyle/>
-                    <a:p>
-                      <a:pPr algn="ctr"/>
-                      <a:r>
-                        <a:rPr lang="zh-CN" altLang="en-US" sz="1400" dirty="0" smtClean="0"/>
-                        <a:t>降维方法</a:t>
-                      </a:r>
-                      <a:endParaRPr lang="zh-CN" altLang="en-US" sz="1400" dirty="0"/>
-                    </a:p>
-                  </a:txBody>
-                  <a:tcPr/>
-                </a:tc>
-                <a:tc>
-                  <a:txBody>
-                    <a:bodyPr/>
-                    <a:lstStyle/>
-                    <a:p>
-                      <a:pPr algn="ctr"/>
-                      <a:r>
-                        <a:rPr lang="zh-CN" altLang="en-US" sz="1400" dirty="0" smtClean="0"/>
-                        <a:t>正确率</a:t>
-                      </a:r>
-                      <a:endParaRPr lang="zh-CN" altLang="en-US" sz="1400" dirty="0"/>
-                    </a:p>
-                  </a:txBody>
-                  <a:tcPr/>
-                </a:tc>
-                <a:extLst>
-                  <a:ext uri="{0D108BD9-81ED-4DB2-BD59-A6C34878D82A}">
-                    <a16:rowId xmlns:a16="http://schemas.microsoft.com/office/drawing/2014/main" val="1069857972"/>
-                  </a:ext>
-                </a:extLst>
-              </a:tr>
-              <a:tr h="277745">
-                <a:tc>
-                  <a:txBody>
-                    <a:bodyPr/>
-                    <a:lstStyle/>
-                    <a:p>
-                      <a:pPr algn="ctr"/>
-                      <a:r>
-                        <a:rPr lang="zh-CN" altLang="en-US" sz="1400" dirty="0" smtClean="0"/>
-                        <a:t>不降维</a:t>
-                      </a:r>
-                      <a:endParaRPr lang="zh-CN" altLang="en-US" sz="1400" dirty="0"/>
-                    </a:p>
-                  </a:txBody>
-                  <a:tcPr/>
-                </a:tc>
-                <a:tc>
-                  <a:txBody>
-                    <a:bodyPr/>
-                    <a:lstStyle/>
-                    <a:p>
-                      <a:pPr algn="ctr"/>
-                      <a:r>
-                        <a:rPr lang="en-US" altLang="zh-CN" sz="1400" dirty="0" smtClean="0"/>
-                        <a:t>92.87%</a:t>
-                      </a:r>
-                      <a:endParaRPr lang="zh-CN" altLang="en-US" sz="1400" dirty="0"/>
-                    </a:p>
-                  </a:txBody>
-                  <a:tcPr/>
-                </a:tc>
-                <a:extLst>
-                  <a:ext uri="{0D108BD9-81ED-4DB2-BD59-A6C34878D82A}">
-                    <a16:rowId xmlns:a16="http://schemas.microsoft.com/office/drawing/2014/main" val="3248955482"/>
-                  </a:ext>
-                </a:extLst>
-              </a:tr>
-              <a:tr h="277745">
-                <a:tc>
-                  <a:txBody>
-                    <a:bodyPr/>
-                    <a:lstStyle/>
-                    <a:p>
-                      <a:pPr algn="ctr"/>
-                      <a:r>
-                        <a:rPr lang="en-US" altLang="zh-CN" sz="1400" dirty="0" smtClean="0"/>
-                        <a:t>SVD</a:t>
-                      </a:r>
-                      <a:endParaRPr lang="zh-CN" altLang="en-US" sz="1400" dirty="0"/>
-                    </a:p>
-                  </a:txBody>
-                  <a:tcPr/>
-                </a:tc>
-                <a:tc>
-                  <a:txBody>
-                    <a:bodyPr/>
-                    <a:lstStyle/>
-                    <a:p>
-                      <a:pPr algn="ctr"/>
-                      <a:r>
-                        <a:rPr lang="en-US" altLang="zh-CN" sz="1400" dirty="0" smtClean="0"/>
-                        <a:t>0.5%</a:t>
-                      </a:r>
-                      <a:endParaRPr lang="zh-CN" altLang="en-US" sz="1400" dirty="0"/>
-                    </a:p>
-                  </a:txBody>
-                  <a:tcPr/>
-                </a:tc>
-                <a:extLst>
-                  <a:ext uri="{0D108BD9-81ED-4DB2-BD59-A6C34878D82A}">
-                    <a16:rowId xmlns:a16="http://schemas.microsoft.com/office/drawing/2014/main" val="2997935290"/>
-                  </a:ext>
-                </a:extLst>
-              </a:tr>
-              <a:tr h="277745">
-                <a:tc>
-                  <a:txBody>
-                    <a:bodyPr/>
-                    <a:lstStyle/>
-                    <a:p>
-                      <a:pPr algn="ctr"/>
-                      <a:r>
-                        <a:rPr lang="en-US" altLang="zh-CN" sz="1400" dirty="0" smtClean="0"/>
-                        <a:t>SVD+</a:t>
-                      </a:r>
-                      <a:r>
-                        <a:rPr lang="zh-CN" altLang="en-US" sz="1400" dirty="0" smtClean="0"/>
-                        <a:t>正则化</a:t>
-                      </a:r>
-                      <a:r>
-                        <a:rPr lang="en-US" altLang="zh-CN" sz="1400" dirty="0" smtClean="0"/>
-                        <a:t>+</a:t>
-                      </a:r>
-                      <a:r>
-                        <a:rPr lang="zh-CN" altLang="en-US" sz="1400" dirty="0" smtClean="0"/>
-                        <a:t>人为处理</a:t>
-                      </a:r>
-                      <a:endParaRPr lang="zh-CN" altLang="en-US" sz="1400" dirty="0"/>
-                    </a:p>
-                  </a:txBody>
-                  <a:tcPr/>
-                </a:tc>
-                <a:tc>
-                  <a:txBody>
-                    <a:bodyPr/>
-                    <a:lstStyle/>
-                    <a:p>
-                      <a:pPr algn="ctr"/>
-                      <a:r>
-                        <a:rPr lang="zh-CN" altLang="en-US" sz="1400" dirty="0" smtClean="0"/>
-                        <a:t>最高</a:t>
-                      </a:r>
-                      <a:r>
-                        <a:rPr lang="en-US" altLang="zh-CN" sz="1400" dirty="0" smtClean="0"/>
-                        <a:t>10%</a:t>
-                      </a:r>
-                      <a:endParaRPr lang="zh-CN" altLang="en-US" sz="1400" dirty="0"/>
-                    </a:p>
-                  </a:txBody>
-                  <a:tcPr/>
-                </a:tc>
-                <a:extLst>
-                  <a:ext uri="{0D108BD9-81ED-4DB2-BD59-A6C34878D82A}">
-                    <a16:rowId xmlns:a16="http://schemas.microsoft.com/office/drawing/2014/main" val="897678724"/>
-                  </a:ext>
-                </a:extLst>
-              </a:tr>
-              <a:tr h="277745">
-                <a:tc>
-                  <a:txBody>
-                    <a:bodyPr/>
-                    <a:lstStyle/>
-                    <a:p>
-                      <a:pPr algn="ctr"/>
-                      <a:r>
-                        <a:rPr lang="en-US" altLang="zh-CN" sz="1400" dirty="0" smtClean="0"/>
-                        <a:t>TSVD_152</a:t>
-                      </a:r>
-                      <a:endParaRPr lang="zh-CN" altLang="en-US" sz="1400" dirty="0"/>
-                    </a:p>
-                  </a:txBody>
-                  <a:tcPr/>
-                </a:tc>
-                <a:tc>
-                  <a:txBody>
-                    <a:bodyPr/>
-                    <a:lstStyle/>
-                    <a:p>
-                      <a:pPr algn="ctr"/>
-                      <a:r>
-                        <a:rPr lang="en-US" altLang="zh-CN" sz="1400" dirty="0" smtClean="0"/>
-                        <a:t>94.15%</a:t>
-                      </a:r>
-                      <a:endParaRPr lang="zh-CN" altLang="en-US" sz="1400" dirty="0"/>
-                    </a:p>
-                  </a:txBody>
-                  <a:tcPr/>
-                </a:tc>
-                <a:extLst>
-                  <a:ext uri="{0D108BD9-81ED-4DB2-BD59-A6C34878D82A}">
-                    <a16:rowId xmlns:a16="http://schemas.microsoft.com/office/drawing/2014/main" val="1767080354"/>
-                  </a:ext>
-                </a:extLst>
-              </a:tr>
-              <a:tr h="277745">
-                <a:tc>
-                  <a:txBody>
-                    <a:bodyPr/>
-                    <a:lstStyle/>
-                    <a:p>
-                      <a:pPr marL="0" marR="0" indent="0" algn="ctr" defTabSz="914400" rtl="0" eaLnBrk="1" fontAlgn="auto" latinLnBrk="0" hangingPunct="1">
-                        <a:lnSpc>
-                          <a:spcPct val="100000"/>
-                        </a:lnSpc>
-                        <a:spcBef>
-                          <a:spcPts val="0"/>
-                        </a:spcBef>
-                        <a:spcAft>
-                          <a:spcPts val="0"/>
-                        </a:spcAft>
-                        <a:buClrTx/>
-                        <a:buSzTx/>
-                        <a:buFontTx/>
-                        <a:buNone/>
-                        <a:tabLst/>
-                        <a:defRPr/>
-                      </a:pPr>
-                      <a:r>
-                        <a:rPr lang="en-US" altLang="zh-CN" sz="1400" dirty="0" smtClean="0"/>
-                        <a:t>TSVD_128</a:t>
-                      </a:r>
-                      <a:endParaRPr lang="zh-CN" altLang="en-US" sz="1400" dirty="0" smtClean="0"/>
-                    </a:p>
-                  </a:txBody>
-                  <a:tcPr/>
-                </a:tc>
-                <a:tc>
-                  <a:txBody>
-                    <a:bodyPr/>
-                    <a:lstStyle/>
-                    <a:p>
-                      <a:pPr algn="ctr"/>
-                      <a:r>
-                        <a:rPr lang="en-US" altLang="zh-CN" sz="1400" dirty="0" smtClean="0"/>
-                        <a:t>94.32%</a:t>
-                      </a:r>
-                      <a:endParaRPr lang="zh-CN" altLang="en-US" sz="1400" dirty="0"/>
-                    </a:p>
-                  </a:txBody>
-                  <a:tcPr/>
-                </a:tc>
-                <a:extLst>
-                  <a:ext uri="{0D108BD9-81ED-4DB2-BD59-A6C34878D82A}">
-                    <a16:rowId xmlns:a16="http://schemas.microsoft.com/office/drawing/2014/main" val="112757350"/>
-                  </a:ext>
-                </a:extLst>
-              </a:tr>
-              <a:tr h="277745">
-                <a:tc>
-                  <a:txBody>
-                    <a:bodyPr/>
-                    <a:lstStyle/>
-                    <a:p>
-                      <a:pPr marL="0" marR="0" indent="0" algn="ctr" defTabSz="914400" rtl="0" eaLnBrk="1" fontAlgn="auto" latinLnBrk="0" hangingPunct="1">
-                        <a:lnSpc>
-                          <a:spcPct val="100000"/>
-                        </a:lnSpc>
-                        <a:spcBef>
-                          <a:spcPts val="0"/>
-                        </a:spcBef>
-                        <a:spcAft>
-                          <a:spcPts val="0"/>
-                        </a:spcAft>
-                        <a:buClrTx/>
-                        <a:buSzTx/>
-                        <a:buFontTx/>
-                        <a:buNone/>
-                        <a:tabLst/>
-                        <a:defRPr/>
-                      </a:pPr>
-                      <a:r>
-                        <a:rPr lang="en-US" altLang="zh-CN" sz="1400" dirty="0" smtClean="0"/>
-                        <a:t>TSVD_1024</a:t>
-                      </a:r>
-                      <a:endParaRPr lang="zh-CN" altLang="en-US" sz="1400" dirty="0" smtClean="0"/>
-                    </a:p>
-                  </a:txBody>
-                  <a:tcPr/>
-                </a:tc>
-                <a:tc>
-                  <a:txBody>
-                    <a:bodyPr/>
-                    <a:lstStyle/>
-                    <a:p>
-                      <a:pPr algn="ctr"/>
-                      <a:r>
-                        <a:rPr lang="en-US" altLang="zh-CN" sz="1400" dirty="0" smtClean="0"/>
-                        <a:t>92.76%</a:t>
-                      </a:r>
-                      <a:endParaRPr lang="zh-CN" altLang="en-US" sz="1400" dirty="0"/>
-                    </a:p>
-                  </a:txBody>
-                  <a:tcPr/>
-                </a:tc>
-                <a:extLst>
-                  <a:ext uri="{0D108BD9-81ED-4DB2-BD59-A6C34878D82A}">
-                    <a16:rowId xmlns:a16="http://schemas.microsoft.com/office/drawing/2014/main" val="4146740936"/>
-                  </a:ext>
-                </a:extLst>
-              </a:tr>
-            </a:tbl>
-          </a:graphicData>
-        </a:graphic>
-      </p:graphicFrame>
       <p:sp>
         <p:nvSpPr>
-          <p:cNvPr id="9" name="矩形 8"/>
+          <p:cNvPr id="6" name="矩形 5"/>
           <p:cNvSpPr/>
           <p:nvPr/>
         </p:nvSpPr>
         <p:spPr>
           <a:xfrm>
-            <a:off x="586104" y="915566"/>
-            <a:ext cx="1117486" cy="400110"/>
+            <a:off x="539552" y="915566"/>
+            <a:ext cx="1210588" cy="400110"/>
           </a:xfrm>
           <a:prstGeom prst="rect">
             <a:avLst/>
@@ -11610,7 +11500,7 @@
           <a:p>
             <a:pPr algn="ctr"/>
             <a:r>
-              <a:rPr lang="en-US" altLang="zh-CN" sz="2000" b="0" cap="none" spc="0" dirty="0" smtClean="0">
+              <a:rPr lang="zh-CN" altLang="en-US" sz="2000" b="0" cap="none" spc="0" dirty="0" smtClean="0">
                 <a:ln w="0"/>
                 <a:solidFill>
                   <a:schemeClr val="tx1"/>
@@ -11623,23 +11513,7 @@
                   </a:outerShdw>
                 </a:effectLst>
               </a:rPr>
-              <a:t>SVD</a:t>
-            </a:r>
-            <a:r>
-              <a:rPr lang="zh-CN" altLang="en-US" sz="2000" b="0" cap="none" spc="0" dirty="0" smtClean="0">
-                <a:ln w="0"/>
-                <a:solidFill>
-                  <a:schemeClr val="tx1"/>
-                </a:solidFill>
-                <a:effectLst>
-                  <a:outerShdw blurRad="38100" dist="19050" dir="2700000" algn="tl" rotWithShape="0">
-                    <a:schemeClr val="dk1">
-                      <a:alpha val="40000"/>
-                    </a:schemeClr>
-                  </a:outerShdw>
-                </a:effectLst>
-              </a:rPr>
-              <a:t>降维</a:t>
+              <a:t>操作流程</a:t>
             </a:r>
             <a:endParaRPr lang="zh-CN" altLang="en-US" sz="2000" b="0" cap="none" spc="0" dirty="0">
               <a:ln w="0"/>
@@ -11657,10 +11531,388 @@
           </a:p>
         </p:txBody>
       </p:sp>
+      <p:pic>
+        <p:nvPicPr>
+          <p:cNvPr id="2" name="图片 1"/>
+          <p:cNvPicPr>
+            <a:picLocks noChangeAspect="1"/>
+          </p:cNvPicPr>
+          <p:nvPr/>
+        </p:nvPicPr>
+        <p:blipFill>
+          <a:blip r:embed="rId3">
+            <a:extLst>
+              <a:ext uri="{28A0092B-C50C-407E-A947-70E740481C1C}">
+                <a14:useLocalDpi xmlns:a14="http://schemas.microsoft.com/office/drawing/2010/main" val="0"/>
+              </a:ext>
+            </a:extLst>
+          </a:blip>
+          <a:stretch>
+            <a:fillRect/>
+          </a:stretch>
+        </p:blipFill>
+        <p:spPr>
+          <a:xfrm>
+            <a:off x="7236296" y="699542"/>
+            <a:ext cx="1298854" cy="4351412"/>
+          </a:xfrm>
+          <a:prstGeom prst="rect">
+            <a:avLst/>
+          </a:prstGeom>
+        </p:spPr>
+      </p:pic>
+      <p:sp>
+        <p:nvSpPr>
+          <p:cNvPr id="9" name="文本框 8"/>
+          <p:cNvSpPr txBox="1"/>
+          <p:nvPr/>
+        </p:nvSpPr>
+        <p:spPr>
+          <a:xfrm>
+            <a:off x="1475656" y="1923678"/>
+            <a:ext cx="5298296" cy="1754326"/>
+          </a:xfrm>
+          <a:prstGeom prst="rect">
+            <a:avLst/>
+          </a:prstGeom>
+          <a:noFill/>
+        </p:spPr>
+        <p:txBody>
+          <a:bodyPr wrap="square" rtlCol="0">
+            <a:spAutoFit/>
+          </a:bodyPr>
+          <a:lstStyle/>
+          <a:p>
+            <a:pPr marL="228600" indent="-228600">
+              <a:lnSpc>
+                <a:spcPct val="150000"/>
+              </a:lnSpc>
+              <a:buFont typeface="+mj-lt"/>
+              <a:buAutoNum type="arabicPeriod"/>
+            </a:pPr>
+            <a:r>
+              <a:rPr lang="zh-CN" altLang="en-US" sz="1200" dirty="0" smtClean="0">
+                <a:solidFill>
+                  <a:schemeClr val="tx1">
+                    <a:lumMod val="75000"/>
+                    <a:lumOff val="25000"/>
+                  </a:schemeClr>
+                </a:solidFill>
+                <a:latin typeface="微软雅黑" panose="020B0503020204020204" pitchFamily="34" charset="-122"/>
+                <a:ea typeface="微软雅黑" panose="020B0503020204020204" pitchFamily="34" charset="-122"/>
+              </a:rPr>
+              <a:t>读取</a:t>
+            </a:r>
+            <a:r>
+              <a:rPr lang="zh-CN" altLang="en-US" sz="1200" dirty="0">
+                <a:solidFill>
+                  <a:schemeClr val="tx1">
+                    <a:lumMod val="75000"/>
+                    <a:lumOff val="25000"/>
+                  </a:schemeClr>
+                </a:solidFill>
+                <a:latin typeface="微软雅黑" panose="020B0503020204020204" pitchFamily="34" charset="-122"/>
+                <a:ea typeface="微软雅黑" panose="020B0503020204020204" pitchFamily="34" charset="-122"/>
+              </a:rPr>
+              <a:t>原始图片的</a:t>
+            </a:r>
+            <a:r>
+              <a:rPr lang="zh-CN" altLang="en-US" sz="1200" dirty="0" smtClean="0">
+                <a:solidFill>
+                  <a:schemeClr val="tx1">
+                    <a:lumMod val="75000"/>
+                    <a:lumOff val="25000"/>
+                  </a:schemeClr>
+                </a:solidFill>
+                <a:latin typeface="微软雅黑" panose="020B0503020204020204" pitchFamily="34" charset="-122"/>
+                <a:ea typeface="微软雅黑" panose="020B0503020204020204" pitchFamily="34" charset="-122"/>
+              </a:rPr>
+              <a:t>数据</a:t>
+            </a:r>
+            <a:endParaRPr lang="en-US" altLang="zh-CN" sz="1200" dirty="0" smtClean="0">
+              <a:solidFill>
+                <a:schemeClr val="tx1">
+                  <a:lumMod val="75000"/>
+                  <a:lumOff val="25000"/>
+                </a:schemeClr>
+              </a:solidFill>
+              <a:latin typeface="微软雅黑" panose="020B0503020204020204" pitchFamily="34" charset="-122"/>
+              <a:ea typeface="微软雅黑" panose="020B0503020204020204" pitchFamily="34" charset="-122"/>
+            </a:endParaRPr>
+          </a:p>
+          <a:p>
+            <a:pPr marL="228600" indent="-228600">
+              <a:lnSpc>
+                <a:spcPct val="150000"/>
+              </a:lnSpc>
+              <a:buFont typeface="+mj-lt"/>
+              <a:buAutoNum type="arabicPeriod"/>
+            </a:pPr>
+            <a:r>
+              <a:rPr lang="zh-CN" altLang="en-US" sz="1200" dirty="0" smtClean="0">
+                <a:solidFill>
+                  <a:schemeClr val="tx1">
+                    <a:lumMod val="75000"/>
+                    <a:lumOff val="25000"/>
+                  </a:schemeClr>
+                </a:solidFill>
+                <a:latin typeface="微软雅黑" panose="020B0503020204020204" pitchFamily="34" charset="-122"/>
+                <a:ea typeface="微软雅黑" panose="020B0503020204020204" pitchFamily="34" charset="-122"/>
+              </a:rPr>
+              <a:t>将</a:t>
+            </a:r>
+            <a:r>
+              <a:rPr lang="zh-CN" altLang="en-US" sz="1200" dirty="0">
+                <a:solidFill>
+                  <a:schemeClr val="tx1">
+                    <a:lumMod val="75000"/>
+                    <a:lumOff val="25000"/>
+                  </a:schemeClr>
+                </a:solidFill>
+                <a:latin typeface="微软雅黑" panose="020B0503020204020204" pitchFamily="34" charset="-122"/>
+                <a:ea typeface="微软雅黑" panose="020B0503020204020204" pitchFamily="34" charset="-122"/>
+              </a:rPr>
+              <a:t>数据进行</a:t>
+            </a:r>
+            <a:r>
+              <a:rPr lang="zh-CN" altLang="en-US" sz="1200" dirty="0" smtClean="0">
+                <a:solidFill>
+                  <a:schemeClr val="tx1">
+                    <a:lumMod val="75000"/>
+                    <a:lumOff val="25000"/>
+                  </a:schemeClr>
+                </a:solidFill>
+                <a:latin typeface="微软雅黑" panose="020B0503020204020204" pitchFamily="34" charset="-122"/>
+                <a:ea typeface="微软雅黑" panose="020B0503020204020204" pitchFamily="34" charset="-122"/>
+              </a:rPr>
+              <a:t>打乱</a:t>
+            </a:r>
+            <a:endParaRPr lang="en-US" altLang="zh-CN" sz="1200" dirty="0" smtClean="0">
+              <a:solidFill>
+                <a:schemeClr val="tx1">
+                  <a:lumMod val="75000"/>
+                  <a:lumOff val="25000"/>
+                </a:schemeClr>
+              </a:solidFill>
+              <a:latin typeface="微软雅黑" panose="020B0503020204020204" pitchFamily="34" charset="-122"/>
+              <a:ea typeface="微软雅黑" panose="020B0503020204020204" pitchFamily="34" charset="-122"/>
+            </a:endParaRPr>
+          </a:p>
+          <a:p>
+            <a:pPr marL="228600" indent="-228600">
+              <a:lnSpc>
+                <a:spcPct val="150000"/>
+              </a:lnSpc>
+              <a:buFont typeface="+mj-lt"/>
+              <a:buAutoNum type="arabicPeriod"/>
+            </a:pPr>
+            <a:r>
+              <a:rPr lang="zh-CN" altLang="en-US" sz="1200" dirty="0" smtClean="0">
+                <a:solidFill>
+                  <a:schemeClr val="tx1">
+                    <a:lumMod val="75000"/>
+                    <a:lumOff val="25000"/>
+                  </a:schemeClr>
+                </a:solidFill>
+                <a:latin typeface="微软雅黑" panose="020B0503020204020204" pitchFamily="34" charset="-122"/>
+                <a:ea typeface="微软雅黑" panose="020B0503020204020204" pitchFamily="34" charset="-122"/>
+              </a:rPr>
+              <a:t>使用</a:t>
+            </a:r>
+            <a:r>
+              <a:rPr lang="zh-CN" altLang="en-US" sz="1200" dirty="0">
+                <a:solidFill>
+                  <a:schemeClr val="tx1">
+                    <a:lumMod val="75000"/>
+                    <a:lumOff val="25000"/>
+                  </a:schemeClr>
+                </a:solidFill>
+                <a:latin typeface="微软雅黑" panose="020B0503020204020204" pitchFamily="34" charset="-122"/>
+                <a:ea typeface="微软雅黑" panose="020B0503020204020204" pitchFamily="34" charset="-122"/>
+              </a:rPr>
+              <a:t>降维方法对数据进行降</a:t>
+            </a:r>
+            <a:r>
+              <a:rPr lang="zh-CN" altLang="en-US" sz="1200" dirty="0" smtClean="0">
+                <a:solidFill>
+                  <a:schemeClr val="tx1">
+                    <a:lumMod val="75000"/>
+                    <a:lumOff val="25000"/>
+                  </a:schemeClr>
+                </a:solidFill>
+                <a:latin typeface="微软雅黑" panose="020B0503020204020204" pitchFamily="34" charset="-122"/>
+                <a:ea typeface="微软雅黑" panose="020B0503020204020204" pitchFamily="34" charset="-122"/>
+              </a:rPr>
+              <a:t>维</a:t>
+            </a:r>
+            <a:endParaRPr lang="en-US" altLang="zh-CN" sz="1200" dirty="0" smtClean="0">
+              <a:solidFill>
+                <a:schemeClr val="tx1">
+                  <a:lumMod val="75000"/>
+                  <a:lumOff val="25000"/>
+                </a:schemeClr>
+              </a:solidFill>
+              <a:latin typeface="微软雅黑" panose="020B0503020204020204" pitchFamily="34" charset="-122"/>
+              <a:ea typeface="微软雅黑" panose="020B0503020204020204" pitchFamily="34" charset="-122"/>
+            </a:endParaRPr>
+          </a:p>
+          <a:p>
+            <a:pPr marL="228600" indent="-228600">
+              <a:lnSpc>
+                <a:spcPct val="150000"/>
+              </a:lnSpc>
+              <a:buFont typeface="+mj-lt"/>
+              <a:buAutoNum type="arabicPeriod"/>
+            </a:pPr>
+            <a:r>
+              <a:rPr lang="zh-CN" altLang="en-US" sz="1200" dirty="0" smtClean="0">
+                <a:solidFill>
+                  <a:schemeClr val="tx1">
+                    <a:lumMod val="75000"/>
+                    <a:lumOff val="25000"/>
+                  </a:schemeClr>
+                </a:solidFill>
+                <a:latin typeface="微软雅黑" panose="020B0503020204020204" pitchFamily="34" charset="-122"/>
+                <a:ea typeface="微软雅黑" panose="020B0503020204020204" pitchFamily="34" charset="-122"/>
+              </a:rPr>
+              <a:t>提取</a:t>
+            </a:r>
+            <a:r>
+              <a:rPr lang="zh-CN" altLang="en-US" sz="1200" dirty="0">
+                <a:solidFill>
+                  <a:schemeClr val="tx1">
+                    <a:lumMod val="75000"/>
+                    <a:lumOff val="25000"/>
+                  </a:schemeClr>
+                </a:solidFill>
+                <a:latin typeface="微软雅黑" panose="020B0503020204020204" pitchFamily="34" charset="-122"/>
+                <a:ea typeface="微软雅黑" panose="020B0503020204020204" pitchFamily="34" charset="-122"/>
+              </a:rPr>
+              <a:t>出每一类降维后的对照</a:t>
+            </a:r>
+            <a:r>
+              <a:rPr lang="zh-CN" altLang="en-US" sz="1200" dirty="0" smtClean="0">
+                <a:solidFill>
+                  <a:schemeClr val="tx1">
+                    <a:lumMod val="75000"/>
+                    <a:lumOff val="25000"/>
+                  </a:schemeClr>
+                </a:solidFill>
+                <a:latin typeface="微软雅黑" panose="020B0503020204020204" pitchFamily="34" charset="-122"/>
+                <a:ea typeface="微软雅黑" panose="020B0503020204020204" pitchFamily="34" charset="-122"/>
+              </a:rPr>
+              <a:t>数据</a:t>
+            </a:r>
+            <a:endParaRPr lang="en-US" altLang="zh-CN" sz="1200" dirty="0" smtClean="0">
+              <a:solidFill>
+                <a:schemeClr val="tx1">
+                  <a:lumMod val="75000"/>
+                  <a:lumOff val="25000"/>
+                </a:schemeClr>
+              </a:solidFill>
+              <a:latin typeface="微软雅黑" panose="020B0503020204020204" pitchFamily="34" charset="-122"/>
+              <a:ea typeface="微软雅黑" panose="020B0503020204020204" pitchFamily="34" charset="-122"/>
+            </a:endParaRPr>
+          </a:p>
+          <a:p>
+            <a:pPr marL="228600" indent="-228600">
+              <a:lnSpc>
+                <a:spcPct val="150000"/>
+              </a:lnSpc>
+              <a:buFont typeface="+mj-lt"/>
+              <a:buAutoNum type="arabicPeriod"/>
+            </a:pPr>
+            <a:r>
+              <a:rPr lang="zh-CN" altLang="en-US" sz="1200" dirty="0" smtClean="0">
+                <a:solidFill>
+                  <a:schemeClr val="tx1">
+                    <a:lumMod val="75000"/>
+                    <a:lumOff val="25000"/>
+                  </a:schemeClr>
+                </a:solidFill>
+                <a:latin typeface="微软雅黑" panose="020B0503020204020204" pitchFamily="34" charset="-122"/>
+                <a:ea typeface="微软雅黑" panose="020B0503020204020204" pitchFamily="34" charset="-122"/>
+              </a:rPr>
+              <a:t>计算</a:t>
+            </a:r>
+            <a:r>
+              <a:rPr lang="zh-CN" altLang="en-US" sz="1200" dirty="0">
+                <a:solidFill>
+                  <a:schemeClr val="tx1">
+                    <a:lumMod val="75000"/>
+                    <a:lumOff val="25000"/>
+                  </a:schemeClr>
+                </a:solidFill>
+                <a:latin typeface="微软雅黑" panose="020B0503020204020204" pitchFamily="34" charset="-122"/>
+                <a:ea typeface="微软雅黑" panose="020B0503020204020204" pitchFamily="34" charset="-122"/>
+              </a:rPr>
+              <a:t>降维后的所有数据与每一类的对照数据之间的距离，对数据进行</a:t>
+            </a:r>
+            <a:r>
+              <a:rPr lang="zh-CN" altLang="en-US" sz="1200" dirty="0" smtClean="0">
+                <a:solidFill>
+                  <a:schemeClr val="tx1">
+                    <a:lumMod val="75000"/>
+                    <a:lumOff val="25000"/>
+                  </a:schemeClr>
+                </a:solidFill>
+                <a:latin typeface="微软雅黑" panose="020B0503020204020204" pitchFamily="34" charset="-122"/>
+                <a:ea typeface="微软雅黑" panose="020B0503020204020204" pitchFamily="34" charset="-122"/>
+              </a:rPr>
+              <a:t>分类</a:t>
+            </a:r>
+            <a:endParaRPr lang="en-US" altLang="zh-CN" sz="1200" dirty="0" smtClean="0">
+              <a:solidFill>
+                <a:schemeClr val="tx1">
+                  <a:lumMod val="75000"/>
+                  <a:lumOff val="25000"/>
+                </a:schemeClr>
+              </a:solidFill>
+              <a:latin typeface="微软雅黑" panose="020B0503020204020204" pitchFamily="34" charset="-122"/>
+              <a:ea typeface="微软雅黑" panose="020B0503020204020204" pitchFamily="34" charset="-122"/>
+            </a:endParaRPr>
+          </a:p>
+          <a:p>
+            <a:pPr marL="228600" indent="-228600">
+              <a:lnSpc>
+                <a:spcPct val="150000"/>
+              </a:lnSpc>
+              <a:buFont typeface="+mj-lt"/>
+              <a:buAutoNum type="arabicPeriod"/>
+            </a:pPr>
+            <a:r>
+              <a:rPr lang="zh-CN" altLang="en-US" sz="1200" dirty="0" smtClean="0">
+                <a:solidFill>
+                  <a:schemeClr val="tx1">
+                    <a:lumMod val="75000"/>
+                    <a:lumOff val="25000"/>
+                  </a:schemeClr>
+                </a:solidFill>
+                <a:latin typeface="微软雅黑" panose="020B0503020204020204" pitchFamily="34" charset="-122"/>
+                <a:ea typeface="微软雅黑" panose="020B0503020204020204" pitchFamily="34" charset="-122"/>
+              </a:rPr>
+              <a:t>根据</a:t>
+            </a:r>
+            <a:r>
+              <a:rPr lang="zh-CN" altLang="en-US" sz="1200" dirty="0">
+                <a:solidFill>
+                  <a:schemeClr val="tx1">
+                    <a:lumMod val="75000"/>
+                    <a:lumOff val="25000"/>
+                  </a:schemeClr>
+                </a:solidFill>
+                <a:latin typeface="微软雅黑" panose="020B0503020204020204" pitchFamily="34" charset="-122"/>
+                <a:ea typeface="微软雅黑" panose="020B0503020204020204" pitchFamily="34" charset="-122"/>
+              </a:rPr>
+              <a:t>分类结果与原始标签计算正确率</a:t>
+            </a:r>
+          </a:p>
+        </p:txBody>
+      </p:sp>
     </p:spTree>
     <p:extLst>
       <p:ext uri="{BB962C8B-B14F-4D97-AF65-F5344CB8AC3E}">
-        <p14:creationId xmlns:p14="http://schemas.microsoft.com/office/powerpoint/2010/main" val="1186458509"/>
+        <p14:creationId xmlns:p14="http://schemas.microsoft.com/office/powerpoint/2010/main" val="2052600161"/>
       </p:ext>
     </p:extLst>
   </p:cSld>
@@ -11939,7 +12191,7 @@
                 <a:latin typeface="微软雅黑" panose="020B0503020204020204" pitchFamily="34" charset="-122"/>
                 <a:ea typeface="微软雅黑" panose="020B0503020204020204" pitchFamily="34" charset="-122"/>
               </a:rPr>
-              <a:t>实验结果</a:t>
+              <a:t>实验数据与实验设计</a:t>
             </a:r>
             <a:endParaRPr lang="en-GB" altLang="zh-CN" sz="1800" b="1" dirty="0">
               <a:solidFill>
@@ -11954,207 +12206,15 @@
           </a:p>
         </p:txBody>
       </p:sp>
-      <p:graphicFrame>
-        <p:nvGraphicFramePr>
-          <p:cNvPr id="2" name="表格 1"/>
-          <p:cNvGraphicFramePr>
-            <a:graphicFrameLocks noGrp="1"/>
-          </p:cNvGraphicFramePr>
-          <p:nvPr>
-            <p:extLst>
-              <p:ext uri="{D42A27DB-BD31-4B8C-83A1-F6EECF244321}">
-                <p14:modId xmlns:p14="http://schemas.microsoft.com/office/powerpoint/2010/main" val="1777381133"/>
-              </p:ext>
-            </p:extLst>
-          </p:nvPr>
-        </p:nvGraphicFramePr>
-        <p:xfrm>
-          <a:off x="2411760" y="1995686"/>
-          <a:ext cx="3312368" cy="1219200"/>
-        </p:xfrm>
-        <a:graphic>
-          <a:graphicData uri="http://schemas.openxmlformats.org/drawingml/2006/table">
-            <a:tbl>
-              <a:tblPr firstRow="1" bandRow="1">
-                <a:tableStyleId>{8A107856-5554-42FB-B03E-39F5DBC370BA}</a:tableStyleId>
-              </a:tblPr>
-              <a:tblGrid>
-                <a:gridCol w="1784770">
-                  <a:extLst>
-                    <a:ext uri="{9D8B030D-6E8A-4147-A177-3AD203B41FA5}">
-                      <a16:colId xmlns:a16="http://schemas.microsoft.com/office/drawing/2014/main" val="801771849"/>
-                    </a:ext>
-                  </a:extLst>
-                </a:gridCol>
-                <a:gridCol w="1527598">
-                  <a:extLst>
-                    <a:ext uri="{9D8B030D-6E8A-4147-A177-3AD203B41FA5}">
-                      <a16:colId xmlns:a16="http://schemas.microsoft.com/office/drawing/2014/main" val="3160943213"/>
-                    </a:ext>
-                  </a:extLst>
-                </a:gridCol>
-              </a:tblGrid>
-              <a:tr h="216024">
-                <a:tc>
-                  <a:txBody>
-                    <a:bodyPr/>
-                    <a:lstStyle/>
-                    <a:p>
-                      <a:pPr algn="ctr"/>
-                      <a:r>
-                        <a:rPr lang="zh-CN" altLang="en-US" sz="1400" dirty="0" smtClean="0"/>
-                        <a:t>降维方法</a:t>
-                      </a:r>
-                      <a:endParaRPr lang="zh-CN" altLang="en-US" sz="1400" dirty="0"/>
-                    </a:p>
-                  </a:txBody>
-                  <a:tcPr/>
-                </a:tc>
-                <a:tc>
-                  <a:txBody>
-                    <a:bodyPr/>
-                    <a:lstStyle/>
-                    <a:p>
-                      <a:pPr algn="ctr"/>
-                      <a:r>
-                        <a:rPr lang="zh-CN" altLang="en-US" sz="1400" dirty="0" smtClean="0"/>
-                        <a:t>正确率</a:t>
-                      </a:r>
-                      <a:endParaRPr lang="zh-CN" altLang="en-US" sz="1400" dirty="0"/>
-                    </a:p>
-                  </a:txBody>
-                  <a:tcPr/>
-                </a:tc>
-                <a:extLst>
-                  <a:ext uri="{0D108BD9-81ED-4DB2-BD59-A6C34878D82A}">
-                    <a16:rowId xmlns:a16="http://schemas.microsoft.com/office/drawing/2014/main" val="1069857972"/>
-                  </a:ext>
-                </a:extLst>
-              </a:tr>
-              <a:tr h="216024">
-                <a:tc>
-                  <a:txBody>
-                    <a:bodyPr/>
-                    <a:lstStyle/>
-                    <a:p>
-                      <a:pPr algn="ctr"/>
-                      <a:r>
-                        <a:rPr lang="zh-CN" altLang="en-US" sz="1400" dirty="0" smtClean="0"/>
-                        <a:t>不降维</a:t>
-                      </a:r>
-                      <a:endParaRPr lang="zh-CN" altLang="en-US" sz="1400" dirty="0"/>
-                    </a:p>
-                  </a:txBody>
-                  <a:tcPr/>
-                </a:tc>
-                <a:tc>
-                  <a:txBody>
-                    <a:bodyPr/>
-                    <a:lstStyle/>
-                    <a:p>
-                      <a:pPr algn="ctr"/>
-                      <a:r>
-                        <a:rPr lang="en-US" altLang="zh-CN" sz="1400" dirty="0" smtClean="0"/>
-                        <a:t>92.87%</a:t>
-                      </a:r>
-                      <a:endParaRPr lang="zh-CN" altLang="en-US" sz="1400" dirty="0"/>
-                    </a:p>
-                  </a:txBody>
-                  <a:tcPr/>
-                </a:tc>
-                <a:extLst>
-                  <a:ext uri="{0D108BD9-81ED-4DB2-BD59-A6C34878D82A}">
-                    <a16:rowId xmlns:a16="http://schemas.microsoft.com/office/drawing/2014/main" val="3248955482"/>
-                  </a:ext>
-                </a:extLst>
-              </a:tr>
-              <a:tr h="216024">
-                <a:tc>
-                  <a:txBody>
-                    <a:bodyPr/>
-                    <a:lstStyle/>
-                    <a:p>
-                      <a:pPr algn="ctr"/>
-                      <a:r>
-                        <a:rPr lang="en-US" altLang="zh-CN" sz="1400" dirty="0" smtClean="0"/>
-                        <a:t>gauss</a:t>
-                      </a:r>
-                      <a:endParaRPr lang="zh-CN" altLang="en-US" sz="1400" dirty="0"/>
-                    </a:p>
-                  </a:txBody>
-                  <a:tcPr/>
-                </a:tc>
-                <a:tc>
-                  <a:txBody>
-                    <a:bodyPr/>
-                    <a:lstStyle/>
-                    <a:p>
-                      <a:pPr algn="ctr"/>
-                      <a:r>
-                        <a:rPr lang="en-US" altLang="zh-CN" sz="1400" dirty="0" smtClean="0"/>
-                        <a:t>93.07%</a:t>
-                      </a:r>
-                      <a:endParaRPr lang="zh-CN" altLang="en-US" sz="1400" dirty="0"/>
-                    </a:p>
-                  </a:txBody>
-                  <a:tcPr/>
-                </a:tc>
-                <a:extLst>
-                  <a:ext uri="{0D108BD9-81ED-4DB2-BD59-A6C34878D82A}">
-                    <a16:rowId xmlns:a16="http://schemas.microsoft.com/office/drawing/2014/main" val="2997935290"/>
-                  </a:ext>
-                </a:extLst>
-              </a:tr>
-              <a:tr h="216024">
-                <a:tc>
-                  <a:txBody>
-                    <a:bodyPr/>
-                    <a:lstStyle/>
-                    <a:p>
-                      <a:pPr algn="ctr"/>
-                      <a:r>
-                        <a:rPr lang="en-US" altLang="zh-CN" sz="1400" dirty="0" smtClean="0"/>
-                        <a:t>sparse</a:t>
-                      </a:r>
-                      <a:endParaRPr lang="zh-CN" altLang="en-US" sz="1400" dirty="0"/>
-                    </a:p>
-                  </a:txBody>
-                  <a:tcPr/>
-                </a:tc>
-                <a:tc>
-                  <a:txBody>
-                    <a:bodyPr/>
-                    <a:lstStyle/>
-                    <a:p>
-                      <a:pPr algn="ctr"/>
-                      <a:r>
-                        <a:rPr lang="en-US" altLang="zh-CN" sz="1400" dirty="0" smtClean="0"/>
-                        <a:t>93.04%</a:t>
-                      </a:r>
-                      <a:endParaRPr lang="zh-CN" altLang="en-US" sz="1400" dirty="0"/>
-                    </a:p>
-                  </a:txBody>
-                  <a:tcPr/>
-                </a:tc>
-                <a:extLst>
-                  <a:ext uri="{0D108BD9-81ED-4DB2-BD59-A6C34878D82A}">
-                    <a16:rowId xmlns:a16="http://schemas.microsoft.com/office/drawing/2014/main" val="897678724"/>
-                  </a:ext>
-                </a:extLst>
-              </a:tr>
-            </a:tbl>
-          </a:graphicData>
-        </a:graphic>
-      </p:graphicFrame>
       <p:sp>
         <p:nvSpPr>
-          <p:cNvPr id="9" name="矩形 8"/>
+          <p:cNvPr id="6" name="矩形 5"/>
           <p:cNvSpPr/>
           <p:nvPr/>
         </p:nvSpPr>
         <p:spPr>
           <a:xfrm>
-            <a:off x="712264" y="915566"/>
+            <a:off x="690571" y="1003543"/>
             <a:ext cx="1210588" cy="400110"/>
           </a:xfrm>
           <a:prstGeom prst="rect">
@@ -12170,8 +12230,11 @@
           <a:p>
             <a:pPr algn="ctr"/>
             <a:r>
-              <a:rPr lang="zh-CN" altLang="en-US" sz="2000" dirty="0" smtClean="0">
+              <a:rPr lang="zh-CN" altLang="en-US" sz="2000" b="0" cap="none" spc="0" dirty="0" smtClean="0">
                 <a:ln w="0"/>
+                <a:solidFill>
+                  <a:schemeClr val="tx1"/>
+                </a:solidFill>
                 <a:effectLst>
                   <a:outerShdw blurRad="38100" dist="19050" dir="2700000" algn="tl" rotWithShape="0">
                     <a:schemeClr val="dk1">
@@ -12180,7 +12243,7 @@
                   </a:outerShdw>
                 </a:effectLst>
               </a:rPr>
-              <a:t>随机投影</a:t>
+              <a:t>数据转换</a:t>
             </a:r>
             <a:endParaRPr lang="zh-CN" altLang="en-US" sz="2000" b="0" cap="none" spc="0" dirty="0">
               <a:ln w="0"/>
@@ -12198,10 +12261,40 @@
           </a:p>
         </p:txBody>
       </p:sp>
+      <p:pic>
+        <p:nvPicPr>
+          <p:cNvPr id="5" name="图片 4"/>
+          <p:cNvPicPr>
+            <a:picLocks noChangeAspect="1"/>
+          </p:cNvPicPr>
+          <p:nvPr/>
+        </p:nvPicPr>
+        <p:blipFill>
+          <a:blip r:embed="rId3" cstate="print">
+            <a:extLst>
+              <a:ext uri="{28A0092B-C50C-407E-A947-70E740481C1C}">
+                <a14:useLocalDpi xmlns:a14="http://schemas.microsoft.com/office/drawing/2010/main" val="0"/>
+              </a:ext>
+            </a:extLst>
+          </a:blip>
+          <a:stretch>
+            <a:fillRect/>
+          </a:stretch>
+        </p:blipFill>
+        <p:spPr>
+          <a:xfrm>
+            <a:off x="2411760" y="1224347"/>
+            <a:ext cx="3132904" cy="3242491"/>
+          </a:xfrm>
+          <a:prstGeom prst="rect">
+            <a:avLst/>
+          </a:prstGeom>
+        </p:spPr>
+      </p:pic>
     </p:spTree>
     <p:extLst>
       <p:ext uri="{BB962C8B-B14F-4D97-AF65-F5344CB8AC3E}">
-        <p14:creationId xmlns:p14="http://schemas.microsoft.com/office/powerpoint/2010/main" val="1619637562"/>
+        <p14:creationId xmlns:p14="http://schemas.microsoft.com/office/powerpoint/2010/main" val="3284284612"/>
       </p:ext>
     </p:extLst>
   </p:cSld>
@@ -12480,7 +12573,7 @@
                 <a:latin typeface="微软雅黑" panose="020B0503020204020204" pitchFamily="34" charset="-122"/>
                 <a:ea typeface="微软雅黑" panose="020B0503020204020204" pitchFamily="34" charset="-122"/>
               </a:rPr>
-              <a:t>实验分析</a:t>
+              <a:t>实验结果</a:t>
             </a:r>
             <a:endParaRPr lang="en-GB" altLang="zh-CN" sz="1800" b="1" dirty="0">
               <a:solidFill>
@@ -12495,307 +12588,77 @@
           </a:p>
         </p:txBody>
       </p:sp>
-      <p:graphicFrame>
-        <p:nvGraphicFramePr>
-          <p:cNvPr id="2" name="表格 1"/>
-          <p:cNvGraphicFramePr>
-            <a:graphicFrameLocks noGrp="1"/>
-          </p:cNvGraphicFramePr>
-          <p:nvPr>
-            <p:extLst>
-              <p:ext uri="{D42A27DB-BD31-4B8C-83A1-F6EECF244321}">
-                <p14:modId xmlns:p14="http://schemas.microsoft.com/office/powerpoint/2010/main" val="1502646478"/>
-              </p:ext>
-            </p:extLst>
-          </p:nvPr>
-        </p:nvGraphicFramePr>
-        <p:xfrm>
-          <a:off x="2339752" y="1203598"/>
-          <a:ext cx="3888432" cy="1828800"/>
-        </p:xfrm>
-        <a:graphic>
-          <a:graphicData uri="http://schemas.openxmlformats.org/drawingml/2006/table">
-            <a:tbl>
-              <a:tblPr firstRow="1" bandRow="1">
-                <a:tableStyleId>{8A107856-5554-42FB-B03E-39F5DBC370BA}</a:tableStyleId>
-              </a:tblPr>
-              <a:tblGrid>
-                <a:gridCol w="2360834">
-                  <a:extLst>
-                    <a:ext uri="{9D8B030D-6E8A-4147-A177-3AD203B41FA5}">
-                      <a16:colId xmlns:a16="http://schemas.microsoft.com/office/drawing/2014/main" val="801771849"/>
-                    </a:ext>
-                  </a:extLst>
-                </a:gridCol>
-                <a:gridCol w="1527598">
-                  <a:extLst>
-                    <a:ext uri="{9D8B030D-6E8A-4147-A177-3AD203B41FA5}">
-                      <a16:colId xmlns:a16="http://schemas.microsoft.com/office/drawing/2014/main" val="3160943213"/>
-                    </a:ext>
-                  </a:extLst>
-                </a:gridCol>
-              </a:tblGrid>
-              <a:tr h="203317">
-                <a:tc>
-                  <a:txBody>
-                    <a:bodyPr/>
-                    <a:lstStyle/>
-                    <a:p>
-                      <a:pPr algn="ctr"/>
-                      <a:r>
-                        <a:rPr lang="zh-CN" altLang="en-US" sz="1400" dirty="0" smtClean="0"/>
-                        <a:t>降维方法</a:t>
-                      </a:r>
-                      <a:endParaRPr lang="zh-CN" altLang="en-US" sz="1400" dirty="0"/>
-                    </a:p>
-                  </a:txBody>
-                  <a:tcPr/>
-                </a:tc>
-                <a:tc>
-                  <a:txBody>
-                    <a:bodyPr/>
-                    <a:lstStyle/>
-                    <a:p>
-                      <a:pPr algn="ctr"/>
-                      <a:r>
-                        <a:rPr lang="zh-CN" altLang="en-US" sz="1400" dirty="0" smtClean="0"/>
-                        <a:t>正确率</a:t>
-                      </a:r>
-                      <a:endParaRPr lang="zh-CN" altLang="en-US" sz="1400" dirty="0"/>
-                    </a:p>
-                  </a:txBody>
-                  <a:tcPr/>
-                </a:tc>
-                <a:extLst>
-                  <a:ext uri="{0D108BD9-81ED-4DB2-BD59-A6C34878D82A}">
-                    <a16:rowId xmlns:a16="http://schemas.microsoft.com/office/drawing/2014/main" val="1069857972"/>
-                  </a:ext>
-                </a:extLst>
-              </a:tr>
-              <a:tr h="247369">
-                <a:tc>
-                  <a:txBody>
-                    <a:bodyPr/>
-                    <a:lstStyle/>
-                    <a:p>
-                      <a:pPr algn="ctr"/>
-                      <a:r>
-                        <a:rPr lang="zh-CN" altLang="en-US" sz="1400" dirty="0" smtClean="0"/>
-                        <a:t>不降维</a:t>
-                      </a:r>
-                      <a:endParaRPr lang="zh-CN" altLang="en-US" sz="1400" dirty="0"/>
-                    </a:p>
-                  </a:txBody>
-                  <a:tcPr/>
-                </a:tc>
-                <a:tc>
-                  <a:txBody>
-                    <a:bodyPr/>
-                    <a:lstStyle/>
-                    <a:p>
-                      <a:pPr algn="ctr"/>
-                      <a:r>
-                        <a:rPr lang="en-US" altLang="zh-CN" sz="1400" dirty="0" smtClean="0"/>
-                        <a:t>92.87%</a:t>
-                      </a:r>
-                      <a:endParaRPr lang="zh-CN" altLang="en-US" sz="1400" dirty="0"/>
-                    </a:p>
-                  </a:txBody>
-                  <a:tcPr/>
-                </a:tc>
-                <a:extLst>
-                  <a:ext uri="{0D108BD9-81ED-4DB2-BD59-A6C34878D82A}">
-                    <a16:rowId xmlns:a16="http://schemas.microsoft.com/office/drawing/2014/main" val="3248955482"/>
-                  </a:ext>
-                </a:extLst>
-              </a:tr>
-              <a:tr h="247369">
-                <a:tc>
-                  <a:txBody>
-                    <a:bodyPr/>
-                    <a:lstStyle/>
-                    <a:p>
-                      <a:pPr algn="ctr"/>
-                      <a:r>
-                        <a:rPr lang="en-US" altLang="zh-CN" sz="1400" dirty="0" smtClean="0"/>
-                        <a:t>SVD</a:t>
-                      </a:r>
-                      <a:endParaRPr lang="zh-CN" altLang="en-US" sz="1400" dirty="0"/>
-                    </a:p>
-                  </a:txBody>
-                  <a:tcPr/>
-                </a:tc>
-                <a:tc>
-                  <a:txBody>
-                    <a:bodyPr/>
-                    <a:lstStyle/>
-                    <a:p>
-                      <a:pPr algn="ctr"/>
-                      <a:r>
-                        <a:rPr lang="en-US" altLang="zh-CN" sz="1400" dirty="0" smtClean="0"/>
-                        <a:t>≈</a:t>
-                      </a:r>
-                      <a:r>
-                        <a:rPr lang="en-US" altLang="zh-CN" sz="1400" dirty="0" smtClean="0"/>
-                        <a:t>10%</a:t>
-                      </a:r>
-                      <a:endParaRPr lang="zh-CN" altLang="en-US" sz="1400" dirty="0"/>
-                    </a:p>
-                  </a:txBody>
-                  <a:tcPr/>
-                </a:tc>
-                <a:extLst>
-                  <a:ext uri="{0D108BD9-81ED-4DB2-BD59-A6C34878D82A}">
-                    <a16:rowId xmlns:a16="http://schemas.microsoft.com/office/drawing/2014/main" val="2997935290"/>
-                  </a:ext>
-                </a:extLst>
-              </a:tr>
-              <a:tr h="247369">
-                <a:tc>
-                  <a:txBody>
-                    <a:bodyPr/>
-                    <a:lstStyle/>
-                    <a:p>
-                      <a:pPr algn="ctr"/>
-                      <a:r>
-                        <a:rPr lang="en-US" altLang="zh-CN" sz="1400" dirty="0" smtClean="0"/>
-                        <a:t>TSVD</a:t>
-                      </a:r>
-                      <a:endParaRPr lang="zh-CN" altLang="en-US" sz="1400" dirty="0"/>
-                    </a:p>
-                  </a:txBody>
-                  <a:tcPr/>
-                </a:tc>
-                <a:tc>
-                  <a:txBody>
-                    <a:bodyPr/>
-                    <a:lstStyle/>
-                    <a:p>
-                      <a:pPr algn="ctr"/>
-                      <a:r>
-                        <a:rPr lang="en-US" altLang="zh-CN" sz="1400" dirty="0" smtClean="0"/>
-                        <a:t>≈94%</a:t>
-                      </a:r>
-                      <a:endParaRPr lang="zh-CN" altLang="en-US" sz="1400" dirty="0"/>
-                    </a:p>
-                  </a:txBody>
-                  <a:tcPr/>
-                </a:tc>
-                <a:extLst>
-                  <a:ext uri="{0D108BD9-81ED-4DB2-BD59-A6C34878D82A}">
-                    <a16:rowId xmlns:a16="http://schemas.microsoft.com/office/drawing/2014/main" val="1767080354"/>
-                  </a:ext>
-                </a:extLst>
-              </a:tr>
-              <a:tr h="247369">
-                <a:tc>
-                  <a:txBody>
-                    <a:bodyPr/>
-                    <a:lstStyle/>
-                    <a:p>
-                      <a:pPr marL="0" marR="0" indent="0" algn="ctr" defTabSz="914400" rtl="0" eaLnBrk="1" fontAlgn="auto" latinLnBrk="0" hangingPunct="1">
-                        <a:lnSpc>
-                          <a:spcPct val="100000"/>
-                        </a:lnSpc>
-                        <a:spcBef>
-                          <a:spcPts val="0"/>
-                        </a:spcBef>
-                        <a:spcAft>
-                          <a:spcPts val="0"/>
-                        </a:spcAft>
-                        <a:buClrTx/>
-                        <a:buSzTx/>
-                        <a:buFontTx/>
-                        <a:buNone/>
-                        <a:tabLst/>
-                        <a:defRPr/>
-                      </a:pPr>
-                      <a:r>
-                        <a:rPr lang="zh-CN" altLang="en-US" sz="1400" dirty="0" smtClean="0"/>
-                        <a:t>随机投影</a:t>
-                      </a:r>
-                    </a:p>
-                  </a:txBody>
-                  <a:tcPr/>
-                </a:tc>
-                <a:tc>
-                  <a:txBody>
-                    <a:bodyPr/>
-                    <a:lstStyle/>
-                    <a:p>
-                      <a:pPr algn="ctr"/>
-                      <a:r>
-                        <a:rPr lang="en-US" altLang="zh-CN" sz="1400" dirty="0" smtClean="0"/>
-                        <a:t>≈</a:t>
-                      </a:r>
-                      <a:r>
-                        <a:rPr lang="en-US" altLang="zh-CN" sz="1400" dirty="0" smtClean="0"/>
-                        <a:t>93%</a:t>
-                      </a:r>
-                      <a:endParaRPr lang="zh-CN" altLang="en-US" sz="1400" dirty="0"/>
-                    </a:p>
-                  </a:txBody>
-                  <a:tcPr/>
-                </a:tc>
-                <a:extLst>
-                  <a:ext uri="{0D108BD9-81ED-4DB2-BD59-A6C34878D82A}">
-                    <a16:rowId xmlns:a16="http://schemas.microsoft.com/office/drawing/2014/main" val="112757350"/>
-                  </a:ext>
-                </a:extLst>
-              </a:tr>
-              <a:tr h="247369">
-                <a:tc>
-                  <a:txBody>
-                    <a:bodyPr/>
-                    <a:lstStyle/>
-                    <a:p>
-                      <a:pPr marL="0" marR="0" indent="0" algn="ctr" defTabSz="914400" rtl="0" eaLnBrk="1" fontAlgn="auto" latinLnBrk="0" hangingPunct="1">
-                        <a:lnSpc>
-                          <a:spcPct val="100000"/>
-                        </a:lnSpc>
-                        <a:spcBef>
-                          <a:spcPts val="0"/>
-                        </a:spcBef>
-                        <a:spcAft>
-                          <a:spcPts val="0"/>
-                        </a:spcAft>
-                        <a:buClrTx/>
-                        <a:buSzTx/>
-                        <a:buFontTx/>
-                        <a:buNone/>
-                        <a:tabLst/>
-                        <a:defRPr/>
-                      </a:pPr>
-                      <a:r>
-                        <a:rPr lang="en-US" altLang="zh-CN" sz="1400" dirty="0" smtClean="0"/>
-                        <a:t>PCA</a:t>
-                      </a:r>
-                      <a:endParaRPr lang="zh-CN" altLang="en-US" sz="1400" dirty="0" smtClean="0"/>
-                    </a:p>
-                  </a:txBody>
-                  <a:tcPr/>
-                </a:tc>
-                <a:tc>
-                  <a:txBody>
-                    <a:bodyPr/>
-                    <a:lstStyle/>
-                    <a:p>
-                      <a:pPr algn="ctr"/>
-                      <a:endParaRPr lang="zh-CN" altLang="en-US" sz="1400" dirty="0"/>
-                    </a:p>
-                  </a:txBody>
-                  <a:tcPr/>
-                </a:tc>
-                <a:extLst>
-                  <a:ext uri="{0D108BD9-81ED-4DB2-BD59-A6C34878D82A}">
-                    <a16:rowId xmlns:a16="http://schemas.microsoft.com/office/drawing/2014/main" val="4146740936"/>
-                  </a:ext>
-                </a:extLst>
-              </a:tr>
-            </a:tbl>
-          </a:graphicData>
-        </a:graphic>
-      </p:graphicFrame>
+      <p:sp>
+        <p:nvSpPr>
+          <p:cNvPr id="9" name="矩形 8"/>
+          <p:cNvSpPr/>
+          <p:nvPr/>
+        </p:nvSpPr>
+        <p:spPr>
+          <a:xfrm>
+            <a:off x="586104" y="915566"/>
+            <a:ext cx="1117486" cy="400110"/>
+          </a:xfrm>
+          <a:prstGeom prst="rect">
+            <a:avLst/>
+          </a:prstGeom>
+          <a:noFill/>
+        </p:spPr>
+        <p:txBody>
+          <a:bodyPr wrap="none" lIns="91440" tIns="45720" rIns="91440" bIns="45720">
+            <a:spAutoFit/>
+          </a:bodyPr>
+          <a:lstStyle/>
+          <a:p>
+            <a:pPr algn="ctr"/>
+            <a:r>
+              <a:rPr lang="en-US" altLang="zh-CN" sz="2000" b="0" cap="none" spc="0" dirty="0" smtClean="0">
+                <a:ln w="0"/>
+                <a:solidFill>
+                  <a:schemeClr val="tx1"/>
+                </a:solidFill>
+                <a:effectLst>
+                  <a:outerShdw blurRad="38100" dist="19050" dir="2700000" algn="tl" rotWithShape="0">
+                    <a:schemeClr val="dk1">
+                      <a:alpha val="40000"/>
+                    </a:schemeClr>
+                  </a:outerShdw>
+                </a:effectLst>
+              </a:rPr>
+              <a:t>SVD</a:t>
+            </a:r>
+            <a:r>
+              <a:rPr lang="zh-CN" altLang="en-US" sz="2000" b="0" cap="none" spc="0" dirty="0" smtClean="0">
+                <a:ln w="0"/>
+                <a:solidFill>
+                  <a:schemeClr val="tx1"/>
+                </a:solidFill>
+                <a:effectLst>
+                  <a:outerShdw blurRad="38100" dist="19050" dir="2700000" algn="tl" rotWithShape="0">
+                    <a:schemeClr val="dk1">
+                      <a:alpha val="40000"/>
+                    </a:schemeClr>
+                  </a:outerShdw>
+                </a:effectLst>
+              </a:rPr>
+              <a:t>降维</a:t>
+            </a:r>
+            <a:endParaRPr lang="zh-CN" altLang="en-US" sz="2000" b="0" cap="none" spc="0" dirty="0">
+              <a:ln w="0"/>
+              <a:solidFill>
+                <a:schemeClr val="tx1"/>
+              </a:solidFill>
+              <a:effectLst>
+                <a:outerShdw blurRad="38100" dist="19050" dir="2700000" algn="tl" rotWithShape="0">
+                  <a:schemeClr val="dk1">
+                    <a:alpha val="40000"/>
+                  </a:schemeClr>
+                </a:outerShdw>
+              </a:effectLst>
+            </a:endParaRPr>
+          </a:p>
+        </p:txBody>
+      </p:sp>
       <p:sp>
         <p:nvSpPr>
           <p:cNvPr id="5" name="文本框 4"/>
@@ -12804,8 +12667,8 @@
         </p:nvSpPr>
         <p:spPr>
           <a:xfrm>
-            <a:off x="755576" y="3656320"/>
-            <a:ext cx="7560840" cy="646331"/>
+            <a:off x="971600" y="1376878"/>
+            <a:ext cx="7560840" cy="613694"/>
           </a:xfrm>
           <a:prstGeom prst="rect">
             <a:avLst/>
@@ -12834,7 +12697,124 @@
                 <a:latin typeface="微软雅黑" panose="020B0503020204020204" pitchFamily="34" charset="-122"/>
                 <a:ea typeface="微软雅黑" panose="020B0503020204020204" pitchFamily="34" charset="-122"/>
               </a:rPr>
-              <a:t>        通过实验结果可知，数据降维方法在减少数据维度的同时，也起到了一定的特征提取的作用，可以提高分类的效果。不过这种特征提取与神经网络相比，计算量较小，而且无法学习。</a:t>
+              <a:t>        本</a:t>
+            </a:r>
+            <a:r>
+              <a:rPr lang="zh-CN" altLang="en-US" sz="1200" dirty="0">
+                <a:solidFill>
+                  <a:schemeClr val="tx1">
+                    <a:lumMod val="75000"/>
+                    <a:lumOff val="25000"/>
+                  </a:schemeClr>
+                </a:solidFill>
+                <a:latin typeface="微软雅黑" panose="020B0503020204020204" pitchFamily="34" charset="-122"/>
+                <a:ea typeface="微软雅黑" panose="020B0503020204020204" pitchFamily="34" charset="-122"/>
+              </a:rPr>
+              <a:t>实验对传统的</a:t>
+            </a:r>
+            <a:r>
+              <a:rPr lang="en-US" altLang="zh-CN" sz="1200" dirty="0">
+                <a:solidFill>
+                  <a:schemeClr val="tx1">
+                    <a:lumMod val="75000"/>
+                    <a:lumOff val="25000"/>
+                  </a:schemeClr>
+                </a:solidFill>
+                <a:latin typeface="微软雅黑" panose="020B0503020204020204" pitchFamily="34" charset="-122"/>
+                <a:ea typeface="微软雅黑" panose="020B0503020204020204" pitchFamily="34" charset="-122"/>
+              </a:rPr>
+              <a:t>SVD</a:t>
+            </a:r>
+            <a:r>
+              <a:rPr lang="zh-CN" altLang="en-US" sz="1200" dirty="0">
+                <a:solidFill>
+                  <a:schemeClr val="tx1">
+                    <a:lumMod val="75000"/>
+                    <a:lumOff val="25000"/>
+                  </a:schemeClr>
+                </a:solidFill>
+                <a:latin typeface="微软雅黑" panose="020B0503020204020204" pitchFamily="34" charset="-122"/>
+                <a:ea typeface="微软雅黑" panose="020B0503020204020204" pitchFamily="34" charset="-122"/>
+              </a:rPr>
+              <a:t>降维方法和截断</a:t>
+            </a:r>
+            <a:r>
+              <a:rPr lang="en-US" altLang="zh-CN" sz="1200" dirty="0">
+                <a:solidFill>
+                  <a:schemeClr val="tx1">
+                    <a:lumMod val="75000"/>
+                    <a:lumOff val="25000"/>
+                  </a:schemeClr>
+                </a:solidFill>
+                <a:latin typeface="微软雅黑" panose="020B0503020204020204" pitchFamily="34" charset="-122"/>
+                <a:ea typeface="微软雅黑" panose="020B0503020204020204" pitchFamily="34" charset="-122"/>
+              </a:rPr>
+              <a:t>SVD</a:t>
+            </a:r>
+            <a:r>
+              <a:rPr lang="zh-CN" altLang="en-US" sz="1200" dirty="0">
+                <a:solidFill>
+                  <a:schemeClr val="tx1">
+                    <a:lumMod val="75000"/>
+                    <a:lumOff val="25000"/>
+                  </a:schemeClr>
+                </a:solidFill>
+                <a:latin typeface="微软雅黑" panose="020B0503020204020204" pitchFamily="34" charset="-122"/>
+                <a:ea typeface="微软雅黑" panose="020B0503020204020204" pitchFamily="34" charset="-122"/>
+              </a:rPr>
+              <a:t>降维方法都进行了测试，不幸的是传统的</a:t>
+            </a:r>
+            <a:r>
+              <a:rPr lang="en-US" altLang="zh-CN" sz="1200" dirty="0">
+                <a:solidFill>
+                  <a:schemeClr val="tx1">
+                    <a:lumMod val="75000"/>
+                    <a:lumOff val="25000"/>
+                  </a:schemeClr>
+                </a:solidFill>
+                <a:latin typeface="微软雅黑" panose="020B0503020204020204" pitchFamily="34" charset="-122"/>
+                <a:ea typeface="微软雅黑" panose="020B0503020204020204" pitchFamily="34" charset="-122"/>
+              </a:rPr>
+              <a:t>SVD</a:t>
+            </a:r>
+            <a:r>
+              <a:rPr lang="zh-CN" altLang="en-US" sz="1200" dirty="0">
+                <a:solidFill>
+                  <a:schemeClr val="tx1">
+                    <a:lumMod val="75000"/>
+                    <a:lumOff val="25000"/>
+                  </a:schemeClr>
+                </a:solidFill>
+                <a:latin typeface="微软雅黑" panose="020B0503020204020204" pitchFamily="34" charset="-122"/>
+                <a:ea typeface="微软雅黑" panose="020B0503020204020204" pitchFamily="34" charset="-122"/>
+              </a:rPr>
+              <a:t>降维方法对本实验的数据并没有产生效果，只有</a:t>
+            </a:r>
+            <a:r>
+              <a:rPr lang="en-US" altLang="zh-CN" sz="1200" dirty="0">
+                <a:solidFill>
+                  <a:schemeClr val="tx1">
+                    <a:lumMod val="75000"/>
+                    <a:lumOff val="25000"/>
+                  </a:schemeClr>
+                </a:solidFill>
+                <a:latin typeface="微软雅黑" panose="020B0503020204020204" pitchFamily="34" charset="-122"/>
+                <a:ea typeface="微软雅黑" panose="020B0503020204020204" pitchFamily="34" charset="-122"/>
+              </a:rPr>
+              <a:t>0.5%</a:t>
+            </a:r>
+            <a:r>
+              <a:rPr lang="zh-CN" altLang="en-US" sz="1200" dirty="0">
+                <a:solidFill>
+                  <a:schemeClr val="tx1">
+                    <a:lumMod val="75000"/>
+                    <a:lumOff val="25000"/>
+                  </a:schemeClr>
+                </a:solidFill>
+                <a:latin typeface="微软雅黑" panose="020B0503020204020204" pitchFamily="34" charset="-122"/>
+                <a:ea typeface="微软雅黑" panose="020B0503020204020204" pitchFamily="34" charset="-122"/>
+              </a:rPr>
+              <a:t>的正确率，即使加入了一些归一化和人为处理，效果也不太理想。</a:t>
             </a:r>
             <a:endParaRPr lang="zh-CN" altLang="en-US" sz="1200" dirty="0" smtClean="0">
               <a:solidFill>
@@ -12849,10 +12829,67 @@
           </a:p>
         </p:txBody>
       </p:sp>
+      <p:graphicFrame>
+        <p:nvGraphicFramePr>
+          <p:cNvPr id="3" name="对象 2"/>
+          <p:cNvGraphicFramePr>
+            <a:graphicFrameLocks noChangeAspect="1"/>
+          </p:cNvGraphicFramePr>
+          <p:nvPr>
+            <p:extLst>
+              <p:ext uri="{D42A27DB-BD31-4B8C-83A1-F6EECF244321}">
+                <p14:modId xmlns:p14="http://schemas.microsoft.com/office/powerpoint/2010/main" val="699000208"/>
+              </p:ext>
+            </p:extLst>
+          </p:nvPr>
+        </p:nvGraphicFramePr>
+        <p:xfrm>
+          <a:off x="1547664" y="2571750"/>
+          <a:ext cx="5746750" cy="1416050"/>
+        </p:xfrm>
+        <a:graphic>
+          <a:graphicData uri="http://schemas.openxmlformats.org/presentationml/2006/ole">
+            <mc:AlternateContent xmlns:mc="http://schemas.openxmlformats.org/markup-compatibility/2006">
+              <mc:Choice xmlns:v="urn:schemas-microsoft-com:vml" Requires="v">
+                <p:oleObj spid="_x0000_s1030" name="文档" r:id="rId4" imgW="5746716" imgH="1416370" progId="Word.Document.12">
+                  <p:embed/>
+                </p:oleObj>
+              </mc:Choice>
+              <mc:Fallback>
+                <p:oleObj name="文档" r:id="rId4" imgW="5746716" imgH="1416370" progId="Word.Document.12">
+                  <p:embed/>
+                  <p:pic>
+                    <p:nvPicPr>
+                      <p:cNvPr id="0" name=""/>
+                      <p:cNvPicPr/>
+                      <p:nvPr/>
+                    </p:nvPicPr>
+                    <p:blipFill>
+                      <a:blip r:embed="rId5"/>
+                      <a:stretch>
+                        <a:fillRect/>
+                      </a:stretch>
+                    </p:blipFill>
+                    <p:spPr>
+                      <a:xfrm>
+                        <a:off x="1547664" y="2571750"/>
+                        <a:ext cx="5746750" cy="1416050"/>
+                      </a:xfrm>
+                      <a:prstGeom prst="rect">
+                        <a:avLst/>
+                      </a:prstGeom>
+                    </p:spPr>
+                  </p:pic>
+                </p:oleObj>
+              </mc:Fallback>
+            </mc:AlternateContent>
+          </a:graphicData>
+        </a:graphic>
+      </p:graphicFrame>
     </p:spTree>
     <p:extLst>
       <p:ext uri="{BB962C8B-B14F-4D97-AF65-F5344CB8AC3E}">
-        <p14:creationId xmlns:p14="http://schemas.microsoft.com/office/powerpoint/2010/main" val="718736145"/>
+        <p14:creationId xmlns:p14="http://schemas.microsoft.com/office/powerpoint/2010/main" val="1186458509"/>
       </p:ext>
     </p:extLst>
   </p:cSld>
@@ -15040,6 +15077,1540 @@
       </p:grpSpPr>
       <p:sp>
         <p:nvSpPr>
+          <p:cNvPr id="16" name="Title 1"/>
+          <p:cNvSpPr txBox="1">
+            <a:spLocks/>
+          </p:cNvSpPr>
+          <p:nvPr/>
+        </p:nvSpPr>
+        <p:spPr>
+          <a:xfrm>
+            <a:off x="857880" y="200199"/>
+            <a:ext cx="2129944" cy="379477"/>
+          </a:xfrm>
+          <a:prstGeom prst="rect">
+            <a:avLst/>
+          </a:prstGeom>
+        </p:spPr>
+        <p:txBody>
+          <a:bodyPr lIns="0" rIns="0" anchor="ctr">
+            <a:noAutofit/>
+          </a:bodyPr>
+          <a:lstStyle>
+            <a:lvl1pPr algn="ctr" defTabSz="914400" rtl="0" eaLnBrk="1" latinLnBrk="0" hangingPunct="1">
+              <a:spcBef>
+                <a:spcPct val="0"/>
+              </a:spcBef>
+              <a:buNone/>
+              <a:defRPr sz="3000" b="0" kern="1200">
+                <a:solidFill>
+                  <a:schemeClr val="accent1"/>
+                </a:solidFill>
+                <a:latin typeface="U.S. 101" pitchFamily="2" charset="0"/>
+                <a:ea typeface="Roboto" pitchFamily="2" charset="0"/>
+                <a:cs typeface="Open Sans Light" panose="020B0306030504020204" pitchFamily="34" charset="0"/>
+              </a:defRPr>
+            </a:lvl1pPr>
+          </a:lstStyle>
+          <a:p>
+            <a:pPr algn="l"/>
+            <a:r>
+              <a:rPr lang="zh-CN" altLang="en-US" sz="1800" b="1" dirty="0" smtClean="0">
+                <a:solidFill>
+                  <a:schemeClr val="tx1">
+                    <a:lumMod val="75000"/>
+                    <a:lumOff val="25000"/>
+                  </a:schemeClr>
+                </a:solidFill>
+                <a:latin typeface="微软雅黑" panose="020B0503020204020204" pitchFamily="34" charset="-122"/>
+                <a:ea typeface="微软雅黑" panose="020B0503020204020204" pitchFamily="34" charset="-122"/>
+              </a:rPr>
+              <a:t>实验结果</a:t>
+            </a:r>
+            <a:endParaRPr lang="en-GB" altLang="zh-CN" sz="1800" b="1" dirty="0">
+              <a:solidFill>
+                <a:schemeClr val="tx1">
+                  <a:lumMod val="75000"/>
+                  <a:lumOff val="25000"/>
+                </a:schemeClr>
+              </a:solidFill>
+              <a:latin typeface="微软雅黑" panose="020B0503020204020204" pitchFamily="34" charset="-122"/>
+              <a:ea typeface="微软雅黑" panose="020B0503020204020204" pitchFamily="34" charset="-122"/>
+            </a:endParaRPr>
+          </a:p>
+        </p:txBody>
+      </p:sp>
+      <p:sp>
+        <p:nvSpPr>
+          <p:cNvPr id="5" name="文本框 4"/>
+          <p:cNvSpPr txBox="1"/>
+          <p:nvPr/>
+        </p:nvSpPr>
+        <p:spPr>
+          <a:xfrm>
+            <a:off x="881188" y="1131590"/>
+            <a:ext cx="7560840" cy="613694"/>
+          </a:xfrm>
+          <a:prstGeom prst="rect">
+            <a:avLst/>
+          </a:prstGeom>
+          <a:noFill/>
+        </p:spPr>
+        <p:txBody>
+          <a:bodyPr wrap="square" rtlCol="0">
+            <a:spAutoFit/>
+          </a:bodyPr>
+          <a:lstStyle/>
+          <a:p>
+            <a:pPr>
+              <a:lnSpc>
+                <a:spcPct val="150000"/>
+              </a:lnSpc>
+            </a:pPr>
+            <a:r>
+              <a:rPr lang="zh-CN" altLang="en-US" sz="1200" dirty="0" smtClean="0">
+                <a:solidFill>
+                  <a:schemeClr val="tx1">
+                    <a:lumMod val="75000"/>
+                    <a:lumOff val="25000"/>
+                  </a:schemeClr>
+                </a:solidFill>
+                <a:latin typeface="微软雅黑" panose="020B0503020204020204" pitchFamily="34" charset="-122"/>
+                <a:ea typeface="微软雅黑" panose="020B0503020204020204" pitchFamily="34" charset="-122"/>
+              </a:rPr>
+              <a:t>        相比之下</a:t>
+            </a:r>
+            <a:r>
+              <a:rPr lang="zh-CN" altLang="en-US" sz="1200" dirty="0">
+                <a:solidFill>
+                  <a:schemeClr val="tx1">
+                    <a:lumMod val="75000"/>
+                    <a:lumOff val="25000"/>
+                  </a:schemeClr>
+                </a:solidFill>
+                <a:latin typeface="微软雅黑" panose="020B0503020204020204" pitchFamily="34" charset="-122"/>
+                <a:ea typeface="微软雅黑" panose="020B0503020204020204" pitchFamily="34" charset="-122"/>
+              </a:rPr>
+              <a:t>，截断</a:t>
+            </a:r>
+            <a:r>
+              <a:rPr lang="en-US" altLang="zh-CN" sz="1200" dirty="0">
+                <a:solidFill>
+                  <a:schemeClr val="tx1">
+                    <a:lumMod val="75000"/>
+                    <a:lumOff val="25000"/>
+                  </a:schemeClr>
+                </a:solidFill>
+                <a:latin typeface="微软雅黑" panose="020B0503020204020204" pitchFamily="34" charset="-122"/>
+                <a:ea typeface="微软雅黑" panose="020B0503020204020204" pitchFamily="34" charset="-122"/>
+              </a:rPr>
+              <a:t>SVD</a:t>
+            </a:r>
+            <a:r>
+              <a:rPr lang="zh-CN" altLang="en-US" sz="1200" dirty="0">
+                <a:solidFill>
+                  <a:schemeClr val="tx1">
+                    <a:lumMod val="75000"/>
+                    <a:lumOff val="25000"/>
+                  </a:schemeClr>
+                </a:solidFill>
+                <a:latin typeface="微软雅黑" panose="020B0503020204020204" pitchFamily="34" charset="-122"/>
+                <a:ea typeface="微软雅黑" panose="020B0503020204020204" pitchFamily="34" charset="-122"/>
+              </a:rPr>
+              <a:t>方法的效果更加优异，并且经过多次实验，最优的正确率能够达到</a:t>
+            </a:r>
+            <a:r>
+              <a:rPr lang="en-US" altLang="zh-CN" sz="1200" dirty="0">
+                <a:solidFill>
+                  <a:schemeClr val="tx1">
+                    <a:lumMod val="75000"/>
+                    <a:lumOff val="25000"/>
+                  </a:schemeClr>
+                </a:solidFill>
+                <a:latin typeface="微软雅黑" panose="020B0503020204020204" pitchFamily="34" charset="-122"/>
+                <a:ea typeface="微软雅黑" panose="020B0503020204020204" pitchFamily="34" charset="-122"/>
+              </a:rPr>
+              <a:t>95%</a:t>
+            </a:r>
+            <a:r>
+              <a:rPr lang="zh-CN" altLang="en-US" sz="1200" dirty="0">
+                <a:solidFill>
+                  <a:schemeClr val="tx1">
+                    <a:lumMod val="75000"/>
+                    <a:lumOff val="25000"/>
+                  </a:schemeClr>
+                </a:solidFill>
+                <a:latin typeface="微软雅黑" panose="020B0503020204020204" pitchFamily="34" charset="-122"/>
+                <a:ea typeface="微软雅黑" panose="020B0503020204020204" pitchFamily="34" charset="-122"/>
+              </a:rPr>
+              <a:t>左右，最优的维度应该在</a:t>
+            </a:r>
+            <a:r>
+              <a:rPr lang="en-US" altLang="zh-CN" sz="1200" dirty="0">
+                <a:solidFill>
+                  <a:schemeClr val="tx1">
+                    <a:lumMod val="75000"/>
+                    <a:lumOff val="25000"/>
+                  </a:schemeClr>
+                </a:solidFill>
+                <a:latin typeface="微软雅黑" panose="020B0503020204020204" pitchFamily="34" charset="-122"/>
+                <a:ea typeface="微软雅黑" panose="020B0503020204020204" pitchFamily="34" charset="-122"/>
+              </a:rPr>
+              <a:t>16~64</a:t>
+            </a:r>
+            <a:r>
+              <a:rPr lang="zh-CN" altLang="en-US" sz="1200" dirty="0">
+                <a:solidFill>
+                  <a:schemeClr val="tx1">
+                    <a:lumMod val="75000"/>
+                    <a:lumOff val="25000"/>
+                  </a:schemeClr>
+                </a:solidFill>
+                <a:latin typeface="微软雅黑" panose="020B0503020204020204" pitchFamily="34" charset="-122"/>
+                <a:ea typeface="微软雅黑" panose="020B0503020204020204" pitchFamily="34" charset="-122"/>
+              </a:rPr>
+              <a:t>之间。</a:t>
+            </a:r>
+            <a:endParaRPr lang="zh-CN" altLang="en-US" sz="1200" dirty="0" smtClean="0">
+              <a:solidFill>
+                <a:schemeClr val="tx1">
+                  <a:lumMod val="75000"/>
+                  <a:lumOff val="25000"/>
+                </a:schemeClr>
+              </a:solidFill>
+              <a:latin typeface="微软雅黑" panose="020B0503020204020204" pitchFamily="34" charset="-122"/>
+              <a:ea typeface="微软雅黑" panose="020B0503020204020204" pitchFamily="34" charset="-122"/>
+            </a:endParaRPr>
+          </a:p>
+        </p:txBody>
+      </p:sp>
+      <p:graphicFrame>
+        <p:nvGraphicFramePr>
+          <p:cNvPr id="2" name="对象 1"/>
+          <p:cNvGraphicFramePr>
+            <a:graphicFrameLocks noChangeAspect="1"/>
+          </p:cNvGraphicFramePr>
+          <p:nvPr>
+            <p:extLst>
+              <p:ext uri="{D42A27DB-BD31-4B8C-83A1-F6EECF244321}">
+                <p14:modId xmlns:p14="http://schemas.microsoft.com/office/powerpoint/2010/main" val="3075915240"/>
+              </p:ext>
+            </p:extLst>
+          </p:nvPr>
+        </p:nvGraphicFramePr>
+        <p:xfrm>
+          <a:off x="1691680" y="2067694"/>
+          <a:ext cx="5746750" cy="2325687"/>
+        </p:xfrm>
+        <a:graphic>
+          <a:graphicData uri="http://schemas.openxmlformats.org/presentationml/2006/ole">
+            <mc:AlternateContent xmlns:mc="http://schemas.openxmlformats.org/markup-compatibility/2006">
+              <mc:Choice xmlns:v="urn:schemas-microsoft-com:vml" Requires="v">
+                <p:oleObj spid="_x0000_s2054" name="文档" r:id="rId4" imgW="5746716" imgH="2325866" progId="Word.Document.12">
+                  <p:embed/>
+                </p:oleObj>
+              </mc:Choice>
+              <mc:Fallback>
+                <p:oleObj name="文档" r:id="rId4" imgW="5746716" imgH="2325866" progId="Word.Document.12">
+                  <p:embed/>
+                  <p:pic>
+                    <p:nvPicPr>
+                      <p:cNvPr id="0" name=""/>
+                      <p:cNvPicPr/>
+                      <p:nvPr/>
+                    </p:nvPicPr>
+                    <p:blipFill>
+                      <a:blip r:embed="rId5"/>
+                      <a:stretch>
+                        <a:fillRect/>
+                      </a:stretch>
+                    </p:blipFill>
+                    <p:spPr>
+                      <a:xfrm>
+                        <a:off x="1691680" y="2067694"/>
+                        <a:ext cx="5746750" cy="2325687"/>
+                      </a:xfrm>
+                      <a:prstGeom prst="rect">
+                        <a:avLst/>
+                      </a:prstGeom>
+                    </p:spPr>
+                  </p:pic>
+                </p:oleObj>
+              </mc:Fallback>
+            </mc:AlternateContent>
+          </a:graphicData>
+        </a:graphic>
+      </p:graphicFrame>
+    </p:spTree>
+    <p:extLst>
+      <p:ext uri="{BB962C8B-B14F-4D97-AF65-F5344CB8AC3E}">
+        <p14:creationId xmlns:p14="http://schemas.microsoft.com/office/powerpoint/2010/main" val="2580237866"/>
+      </p:ext>
+    </p:extLst>
+  </p:cSld>
+  <p:clrMapOvr>
+    <a:masterClrMapping/>
+  </p:clrMapOvr>
+  <p:transition spd="slow" advClick="0" advTm="0">
+    <p:cover/>
+  </p:transition>
+  <p:timing>
+    <p:tnLst>
+      <p:par>
+        <p:cTn id="1" dur="indefinite" restart="never" nodeType="tmRoot">
+          <p:childTnLst>
+            <p:seq concurrent="1" nextAc="seek">
+              <p:cTn id="2" dur="indefinite" nodeType="mainSeq">
+                <p:childTnLst>
+                  <p:par>
+                    <p:cTn id="3" fill="hold">
+                      <p:stCondLst>
+                        <p:cond delay="indefinite"/>
+                        <p:cond evt="onBegin" delay="0">
+                          <p:tn val="2"/>
+                        </p:cond>
+                      </p:stCondLst>
+                      <p:childTnLst>
+                        <p:par>
+                          <p:cTn id="4" fill="hold">
+                            <p:stCondLst>
+                              <p:cond delay="0"/>
+                            </p:stCondLst>
+                            <p:childTnLst>
+                              <p:par>
+                                <p:cTn id="5" presetID="41" presetClass="entr" presetSubtype="0" fill="hold" grpId="0" nodeType="afterEffect">
+                                  <p:stCondLst>
+                                    <p:cond delay="0"/>
+                                  </p:stCondLst>
+                                  <p:iterate type="lt">
+                                    <p:tmPct val="10000"/>
+                                  </p:iterate>
+                                  <p:childTnLst>
+                                    <p:set>
+                                      <p:cBhvr>
+                                        <p:cTn id="6" dur="1" fill="hold">
+                                          <p:stCondLst>
+                                            <p:cond delay="0"/>
+                                          </p:stCondLst>
+                                        </p:cTn>
+                                        <p:tgtEl>
+                                          <p:spTgt spid="16"/>
+                                        </p:tgtEl>
+                                        <p:attrNameLst>
+                                          <p:attrName>style.visibility</p:attrName>
+                                        </p:attrNameLst>
+                                      </p:cBhvr>
+                                      <p:to>
+                                        <p:strVal val="visible"/>
+                                      </p:to>
+                                    </p:set>
+                                    <p:anim calcmode="lin" valueType="num">
+                                      <p:cBhvr>
+                                        <p:cTn id="7" dur="500" fill="hold"/>
+                                        <p:tgtEl>
+                                          <p:spTgt spid="16"/>
+                                        </p:tgtEl>
+                                        <p:attrNameLst>
+                                          <p:attrName>ppt_x</p:attrName>
+                                        </p:attrNameLst>
+                                      </p:cBhvr>
+                                      <p:tavLst>
+                                        <p:tav tm="0">
+                                          <p:val>
+                                            <p:strVal val="#ppt_x"/>
+                                          </p:val>
+                                        </p:tav>
+                                        <p:tav tm="50000">
+                                          <p:val>
+                                            <p:strVal val="#ppt_x+.1"/>
+                                          </p:val>
+                                        </p:tav>
+                                        <p:tav tm="100000">
+                                          <p:val>
+                                            <p:strVal val="#ppt_x"/>
+                                          </p:val>
+                                        </p:tav>
+                                      </p:tavLst>
+                                    </p:anim>
+                                    <p:anim calcmode="lin" valueType="num">
+                                      <p:cBhvr>
+                                        <p:cTn id="8" dur="500" fill="hold"/>
+                                        <p:tgtEl>
+                                          <p:spTgt spid="16"/>
+                                        </p:tgtEl>
+                                        <p:attrNameLst>
+                                          <p:attrName>ppt_y</p:attrName>
+                                        </p:attrNameLst>
+                                      </p:cBhvr>
+                                      <p:tavLst>
+                                        <p:tav tm="0">
+                                          <p:val>
+                                            <p:strVal val="#ppt_y"/>
+                                          </p:val>
+                                        </p:tav>
+                                        <p:tav tm="100000">
+                                          <p:val>
+                                            <p:strVal val="#ppt_y"/>
+                                          </p:val>
+                                        </p:tav>
+                                      </p:tavLst>
+                                    </p:anim>
+                                    <p:anim calcmode="lin" valueType="num">
+                                      <p:cBhvr>
+                                        <p:cTn id="9" dur="500" fill="hold"/>
+                                        <p:tgtEl>
+                                          <p:spTgt spid="16"/>
+                                        </p:tgtEl>
+                                        <p:attrNameLst>
+                                          <p:attrName>ppt_h</p:attrName>
+                                        </p:attrNameLst>
+                                      </p:cBhvr>
+                                      <p:tavLst>
+                                        <p:tav tm="0">
+                                          <p:val>
+                                            <p:strVal val="#ppt_h/10"/>
+                                          </p:val>
+                                        </p:tav>
+                                        <p:tav tm="50000">
+                                          <p:val>
+                                            <p:strVal val="#ppt_h+.01"/>
+                                          </p:val>
+                                        </p:tav>
+                                        <p:tav tm="100000">
+                                          <p:val>
+                                            <p:strVal val="#ppt_h"/>
+                                          </p:val>
+                                        </p:tav>
+                                      </p:tavLst>
+                                    </p:anim>
+                                    <p:anim calcmode="lin" valueType="num">
+                                      <p:cBhvr>
+                                        <p:cTn id="10" dur="500" fill="hold"/>
+                                        <p:tgtEl>
+                                          <p:spTgt spid="16"/>
+                                        </p:tgtEl>
+                                        <p:attrNameLst>
+                                          <p:attrName>ppt_w</p:attrName>
+                                        </p:attrNameLst>
+                                      </p:cBhvr>
+                                      <p:tavLst>
+                                        <p:tav tm="0">
+                                          <p:val>
+                                            <p:strVal val="#ppt_w/10"/>
+                                          </p:val>
+                                        </p:tav>
+                                        <p:tav tm="50000">
+                                          <p:val>
+                                            <p:strVal val="#ppt_w+.01"/>
+                                          </p:val>
+                                        </p:tav>
+                                        <p:tav tm="100000">
+                                          <p:val>
+                                            <p:strVal val="#ppt_w"/>
+                                          </p:val>
+                                        </p:tav>
+                                      </p:tavLst>
+                                    </p:anim>
+                                    <p:animEffect transition="in" filter="fade">
+                                      <p:cBhvr>
+                                        <p:cTn id="11" dur="500" tmFilter="0,0; .5, 1; 1, 1"/>
+                                        <p:tgtEl>
+                                          <p:spTgt spid="16"/>
+                                        </p:tgtEl>
+                                      </p:cBhvr>
+                                    </p:animEffect>
+                                  </p:childTnLst>
+                                </p:cTn>
+                              </p:par>
+                            </p:childTnLst>
+                          </p:cTn>
+                        </p:par>
+                      </p:childTnLst>
+                    </p:cTn>
+                  </p:par>
+                </p:childTnLst>
+              </p:cTn>
+              <p:prevCondLst>
+                <p:cond evt="onPrev" delay="0">
+                  <p:tgtEl>
+                    <p:sldTgt/>
+                  </p:tgtEl>
+                </p:cond>
+              </p:prevCondLst>
+              <p:nextCondLst>
+                <p:cond evt="onNext" delay="0">
+                  <p:tgtEl>
+                    <p:sldTgt/>
+                  </p:tgtEl>
+                </p:cond>
+              </p:nextCondLst>
+            </p:seq>
+          </p:childTnLst>
+        </p:cTn>
+      </p:par>
+    </p:tnLst>
+    <p:bldLst>
+      <p:bldP spid="16" grpId="0"/>
+    </p:bldLst>
+  </p:timing>
+</p:sld>
+</file>
+
+<file path=ppt/slides/slide21.xml><?xml version="1.0" encoding="utf-8"?>
+<p:sld xmlns:a="http://schemas.openxmlformats.org/drawingml/2006/main" xmlns:r="http://schemas.openxmlformats.org/officeDocument/2006/relationships" xmlns:p="http://schemas.openxmlformats.org/presentationml/2006/main">
+  <p:cSld>
+    <p:spTree>
+      <p:nvGrpSpPr>
+        <p:cNvPr id="1" name=""/>
+        <p:cNvGrpSpPr/>
+        <p:nvPr/>
+      </p:nvGrpSpPr>
+      <p:grpSpPr>
+        <a:xfrm>
+          <a:off x="0" y="0"/>
+          <a:ext cx="0" cy="0"/>
+          <a:chOff x="0" y="0"/>
+          <a:chExt cx="0" cy="0"/>
+        </a:xfrm>
+      </p:grpSpPr>
+      <p:sp>
+        <p:nvSpPr>
+          <p:cNvPr id="16" name="Title 1"/>
+          <p:cNvSpPr txBox="1">
+            <a:spLocks/>
+          </p:cNvSpPr>
+          <p:nvPr/>
+        </p:nvSpPr>
+        <p:spPr>
+          <a:xfrm>
+            <a:off x="857880" y="200199"/>
+            <a:ext cx="2129944" cy="379477"/>
+          </a:xfrm>
+          <a:prstGeom prst="rect">
+            <a:avLst/>
+          </a:prstGeom>
+        </p:spPr>
+        <p:txBody>
+          <a:bodyPr lIns="0" rIns="0" anchor="ctr">
+            <a:noAutofit/>
+          </a:bodyPr>
+          <a:lstStyle>
+            <a:lvl1pPr algn="ctr" defTabSz="914400" rtl="0" eaLnBrk="1" latinLnBrk="0" hangingPunct="1">
+              <a:spcBef>
+                <a:spcPct val="0"/>
+              </a:spcBef>
+              <a:buNone/>
+              <a:defRPr sz="3000" b="0" kern="1200">
+                <a:solidFill>
+                  <a:schemeClr val="accent1"/>
+                </a:solidFill>
+                <a:latin typeface="U.S. 101" pitchFamily="2" charset="0"/>
+                <a:ea typeface="Roboto" pitchFamily="2" charset="0"/>
+                <a:cs typeface="Open Sans Light" panose="020B0306030504020204" pitchFamily="34" charset="0"/>
+              </a:defRPr>
+            </a:lvl1pPr>
+          </a:lstStyle>
+          <a:p>
+            <a:pPr algn="l"/>
+            <a:r>
+              <a:rPr lang="zh-CN" altLang="en-US" sz="1800" b="1" dirty="0" smtClean="0">
+                <a:solidFill>
+                  <a:schemeClr val="tx1">
+                    <a:lumMod val="75000"/>
+                    <a:lumOff val="25000"/>
+                  </a:schemeClr>
+                </a:solidFill>
+                <a:latin typeface="微软雅黑" panose="020B0503020204020204" pitchFamily="34" charset="-122"/>
+                <a:ea typeface="微软雅黑" panose="020B0503020204020204" pitchFamily="34" charset="-122"/>
+              </a:rPr>
+              <a:t>实验结果</a:t>
+            </a:r>
+            <a:endParaRPr lang="en-GB" altLang="zh-CN" sz="1800" b="1" dirty="0">
+              <a:solidFill>
+                <a:schemeClr val="tx1">
+                  <a:lumMod val="75000"/>
+                  <a:lumOff val="25000"/>
+                </a:schemeClr>
+              </a:solidFill>
+              <a:latin typeface="微软雅黑" panose="020B0503020204020204" pitchFamily="34" charset="-122"/>
+              <a:ea typeface="微软雅黑" panose="020B0503020204020204" pitchFamily="34" charset="-122"/>
+            </a:endParaRPr>
+          </a:p>
+        </p:txBody>
+      </p:sp>
+      <p:sp>
+        <p:nvSpPr>
+          <p:cNvPr id="9" name="矩形 8"/>
+          <p:cNvSpPr/>
+          <p:nvPr/>
+        </p:nvSpPr>
+        <p:spPr>
+          <a:xfrm>
+            <a:off x="712264" y="915566"/>
+            <a:ext cx="1210588" cy="400110"/>
+          </a:xfrm>
+          <a:prstGeom prst="rect">
+            <a:avLst/>
+          </a:prstGeom>
+          <a:noFill/>
+        </p:spPr>
+        <p:txBody>
+          <a:bodyPr wrap="none" lIns="91440" tIns="45720" rIns="91440" bIns="45720">
+            <a:spAutoFit/>
+          </a:bodyPr>
+          <a:lstStyle/>
+          <a:p>
+            <a:pPr algn="ctr"/>
+            <a:r>
+              <a:rPr lang="zh-CN" altLang="en-US" sz="2000" dirty="0" smtClean="0">
+                <a:ln w="0"/>
+                <a:effectLst>
+                  <a:outerShdw blurRad="38100" dist="19050" dir="2700000" algn="tl" rotWithShape="0">
+                    <a:schemeClr val="dk1">
+                      <a:alpha val="40000"/>
+                    </a:schemeClr>
+                  </a:outerShdw>
+                </a:effectLst>
+              </a:rPr>
+              <a:t>随机投影</a:t>
+            </a:r>
+            <a:endParaRPr lang="zh-CN" altLang="en-US" sz="2000" b="0" cap="none" spc="0" dirty="0">
+              <a:ln w="0"/>
+              <a:solidFill>
+                <a:schemeClr val="tx1"/>
+              </a:solidFill>
+              <a:effectLst>
+                <a:outerShdw blurRad="38100" dist="19050" dir="2700000" algn="tl" rotWithShape="0">
+                  <a:schemeClr val="dk1">
+                    <a:alpha val="40000"/>
+                  </a:schemeClr>
+                </a:outerShdw>
+              </a:effectLst>
+            </a:endParaRPr>
+          </a:p>
+        </p:txBody>
+      </p:sp>
+      <p:sp>
+        <p:nvSpPr>
+          <p:cNvPr id="5" name="文本框 4"/>
+          <p:cNvSpPr txBox="1"/>
+          <p:nvPr/>
+        </p:nvSpPr>
+        <p:spPr>
+          <a:xfrm>
+            <a:off x="971600" y="1491630"/>
+            <a:ext cx="7560840" cy="613694"/>
+          </a:xfrm>
+          <a:prstGeom prst="rect">
+            <a:avLst/>
+          </a:prstGeom>
+          <a:noFill/>
+        </p:spPr>
+        <p:txBody>
+          <a:bodyPr wrap="square" rtlCol="0">
+            <a:spAutoFit/>
+          </a:bodyPr>
+          <a:lstStyle/>
+          <a:p>
+            <a:pPr>
+              <a:lnSpc>
+                <a:spcPct val="150000"/>
+              </a:lnSpc>
+            </a:pPr>
+            <a:r>
+              <a:rPr lang="zh-CN" altLang="en-US" sz="1200" dirty="0" smtClean="0">
+                <a:solidFill>
+                  <a:schemeClr val="tx1">
+                    <a:lumMod val="75000"/>
+                    <a:lumOff val="25000"/>
+                  </a:schemeClr>
+                </a:solidFill>
+                <a:latin typeface="微软雅黑" panose="020B0503020204020204" pitchFamily="34" charset="-122"/>
+                <a:ea typeface="微软雅黑" panose="020B0503020204020204" pitchFamily="34" charset="-122"/>
+              </a:rPr>
+              <a:t>        针对</a:t>
+            </a:r>
+            <a:r>
+              <a:rPr lang="zh-CN" altLang="en-US" sz="1200" dirty="0">
+                <a:solidFill>
+                  <a:schemeClr val="tx1">
+                    <a:lumMod val="75000"/>
+                    <a:lumOff val="25000"/>
+                  </a:schemeClr>
+                </a:solidFill>
+                <a:latin typeface="微软雅黑" panose="020B0503020204020204" pitchFamily="34" charset="-122"/>
+                <a:ea typeface="微软雅黑" panose="020B0503020204020204" pitchFamily="34" charset="-122"/>
+              </a:rPr>
+              <a:t>随机投影，本实验使用了高斯随机矩阵和稀疏随机矩阵两种构造随机矩阵的方法，而降维后的维度为</a:t>
+            </a:r>
+            <a:r>
+              <a:rPr lang="en-US" altLang="zh-CN" sz="1200" dirty="0">
+                <a:solidFill>
+                  <a:schemeClr val="tx1">
+                    <a:lumMod val="75000"/>
+                    <a:lumOff val="25000"/>
+                  </a:schemeClr>
+                </a:solidFill>
+                <a:latin typeface="微软雅黑" panose="020B0503020204020204" pitchFamily="34" charset="-122"/>
+                <a:ea typeface="微软雅黑" panose="020B0503020204020204" pitchFamily="34" charset="-122"/>
+              </a:rPr>
+              <a:t>6873</a:t>
+            </a:r>
+            <a:r>
+              <a:rPr lang="zh-CN" altLang="en-US" sz="1200" dirty="0">
+                <a:solidFill>
+                  <a:schemeClr val="tx1">
+                    <a:lumMod val="75000"/>
+                    <a:lumOff val="25000"/>
+                  </a:schemeClr>
+                </a:solidFill>
+                <a:latin typeface="微软雅黑" panose="020B0503020204020204" pitchFamily="34" charset="-122"/>
+                <a:ea typeface="微软雅黑" panose="020B0503020204020204" pitchFamily="34" charset="-122"/>
+              </a:rPr>
+              <a:t>维，该维度由</a:t>
+            </a:r>
+            <a:r>
+              <a:rPr lang="en-US" altLang="zh-CN" sz="1200" dirty="0">
+                <a:solidFill>
+                  <a:schemeClr val="tx1">
+                    <a:lumMod val="75000"/>
+                    <a:lumOff val="25000"/>
+                  </a:schemeClr>
+                </a:solidFill>
+                <a:latin typeface="微软雅黑" panose="020B0503020204020204" pitchFamily="34" charset="-122"/>
+                <a:ea typeface="微软雅黑" panose="020B0503020204020204" pitchFamily="34" charset="-122"/>
+              </a:rPr>
+              <a:t>Johnson–</a:t>
+            </a:r>
+            <a:r>
+              <a:rPr lang="en-US" altLang="zh-CN" sz="1200" dirty="0" err="1">
+                <a:solidFill>
+                  <a:schemeClr val="tx1">
+                    <a:lumMod val="75000"/>
+                    <a:lumOff val="25000"/>
+                  </a:schemeClr>
+                </a:solidFill>
+                <a:latin typeface="微软雅黑" panose="020B0503020204020204" pitchFamily="34" charset="-122"/>
+                <a:ea typeface="微软雅黑" panose="020B0503020204020204" pitchFamily="34" charset="-122"/>
+              </a:rPr>
+              <a:t>Lindenstrauss</a:t>
+            </a:r>
+            <a:r>
+              <a:rPr lang="zh-CN" altLang="en-US" sz="1200" dirty="0">
+                <a:solidFill>
+                  <a:schemeClr val="tx1">
+                    <a:lumMod val="75000"/>
+                    <a:lumOff val="25000"/>
+                  </a:schemeClr>
+                </a:solidFill>
+                <a:latin typeface="微软雅黑" panose="020B0503020204020204" pitchFamily="34" charset="-122"/>
+                <a:ea typeface="微软雅黑" panose="020B0503020204020204" pitchFamily="34" charset="-122"/>
+              </a:rPr>
+              <a:t>定理计算得到。</a:t>
+            </a:r>
+            <a:endParaRPr lang="zh-CN" altLang="en-US" sz="1200" dirty="0" smtClean="0">
+              <a:solidFill>
+                <a:schemeClr val="tx1">
+                  <a:lumMod val="75000"/>
+                  <a:lumOff val="25000"/>
+                </a:schemeClr>
+              </a:solidFill>
+              <a:latin typeface="微软雅黑" panose="020B0503020204020204" pitchFamily="34" charset="-122"/>
+              <a:ea typeface="微软雅黑" panose="020B0503020204020204" pitchFamily="34" charset="-122"/>
+            </a:endParaRPr>
+          </a:p>
+        </p:txBody>
+      </p:sp>
+      <p:graphicFrame>
+        <p:nvGraphicFramePr>
+          <p:cNvPr id="4" name="对象 3"/>
+          <p:cNvGraphicFramePr>
+            <a:graphicFrameLocks noChangeAspect="1"/>
+          </p:cNvGraphicFramePr>
+          <p:nvPr>
+            <p:extLst>
+              <p:ext uri="{D42A27DB-BD31-4B8C-83A1-F6EECF244321}">
+                <p14:modId xmlns:p14="http://schemas.microsoft.com/office/powerpoint/2010/main" val="398194528"/>
+              </p:ext>
+            </p:extLst>
+          </p:nvPr>
+        </p:nvGraphicFramePr>
+        <p:xfrm>
+          <a:off x="1691680" y="2571750"/>
+          <a:ext cx="5746750" cy="1416050"/>
+        </p:xfrm>
+        <a:graphic>
+          <a:graphicData uri="http://schemas.openxmlformats.org/presentationml/2006/ole">
+            <mc:AlternateContent xmlns:mc="http://schemas.openxmlformats.org/markup-compatibility/2006">
+              <mc:Choice xmlns:v="urn:schemas-microsoft-com:vml" Requires="v">
+                <p:oleObj spid="_x0000_s3075" name="文档" r:id="rId4" imgW="5746716" imgH="1416370" progId="Word.Document.12">
+                  <p:embed/>
+                </p:oleObj>
+              </mc:Choice>
+              <mc:Fallback>
+                <p:oleObj name="文档" r:id="rId4" imgW="5746716" imgH="1416370" progId="Word.Document.12">
+                  <p:embed/>
+                  <p:pic>
+                    <p:nvPicPr>
+                      <p:cNvPr id="0" name=""/>
+                      <p:cNvPicPr/>
+                      <p:nvPr/>
+                    </p:nvPicPr>
+                    <p:blipFill>
+                      <a:blip r:embed="rId5"/>
+                      <a:stretch>
+                        <a:fillRect/>
+                      </a:stretch>
+                    </p:blipFill>
+                    <p:spPr>
+                      <a:xfrm>
+                        <a:off x="1691680" y="2571750"/>
+                        <a:ext cx="5746750" cy="1416050"/>
+                      </a:xfrm>
+                      <a:prstGeom prst="rect">
+                        <a:avLst/>
+                      </a:prstGeom>
+                    </p:spPr>
+                  </p:pic>
+                </p:oleObj>
+              </mc:Fallback>
+            </mc:AlternateContent>
+          </a:graphicData>
+        </a:graphic>
+      </p:graphicFrame>
+    </p:spTree>
+    <p:extLst>
+      <p:ext uri="{BB962C8B-B14F-4D97-AF65-F5344CB8AC3E}">
+        <p14:creationId xmlns:p14="http://schemas.microsoft.com/office/powerpoint/2010/main" val="1619637562"/>
+      </p:ext>
+    </p:extLst>
+  </p:cSld>
+  <p:clrMapOvr>
+    <a:masterClrMapping/>
+  </p:clrMapOvr>
+  <p:transition spd="slow" advClick="0" advTm="0">
+    <p:cover/>
+  </p:transition>
+  <p:timing>
+    <p:tnLst>
+      <p:par>
+        <p:cTn id="1" dur="indefinite" restart="never" nodeType="tmRoot">
+          <p:childTnLst>
+            <p:seq concurrent="1" nextAc="seek">
+              <p:cTn id="2" dur="indefinite" nodeType="mainSeq">
+                <p:childTnLst>
+                  <p:par>
+                    <p:cTn id="3" fill="hold">
+                      <p:stCondLst>
+                        <p:cond delay="indefinite"/>
+                        <p:cond evt="onBegin" delay="0">
+                          <p:tn val="2"/>
+                        </p:cond>
+                      </p:stCondLst>
+                      <p:childTnLst>
+                        <p:par>
+                          <p:cTn id="4" fill="hold">
+                            <p:stCondLst>
+                              <p:cond delay="0"/>
+                            </p:stCondLst>
+                            <p:childTnLst>
+                              <p:par>
+                                <p:cTn id="5" presetID="41" presetClass="entr" presetSubtype="0" fill="hold" grpId="0" nodeType="afterEffect">
+                                  <p:stCondLst>
+                                    <p:cond delay="0"/>
+                                  </p:stCondLst>
+                                  <p:iterate type="lt">
+                                    <p:tmPct val="10000"/>
+                                  </p:iterate>
+                                  <p:childTnLst>
+                                    <p:set>
+                                      <p:cBhvr>
+                                        <p:cTn id="6" dur="1" fill="hold">
+                                          <p:stCondLst>
+                                            <p:cond delay="0"/>
+                                          </p:stCondLst>
+                                        </p:cTn>
+                                        <p:tgtEl>
+                                          <p:spTgt spid="16"/>
+                                        </p:tgtEl>
+                                        <p:attrNameLst>
+                                          <p:attrName>style.visibility</p:attrName>
+                                        </p:attrNameLst>
+                                      </p:cBhvr>
+                                      <p:to>
+                                        <p:strVal val="visible"/>
+                                      </p:to>
+                                    </p:set>
+                                    <p:anim calcmode="lin" valueType="num">
+                                      <p:cBhvr>
+                                        <p:cTn id="7" dur="500" fill="hold"/>
+                                        <p:tgtEl>
+                                          <p:spTgt spid="16"/>
+                                        </p:tgtEl>
+                                        <p:attrNameLst>
+                                          <p:attrName>ppt_x</p:attrName>
+                                        </p:attrNameLst>
+                                      </p:cBhvr>
+                                      <p:tavLst>
+                                        <p:tav tm="0">
+                                          <p:val>
+                                            <p:strVal val="#ppt_x"/>
+                                          </p:val>
+                                        </p:tav>
+                                        <p:tav tm="50000">
+                                          <p:val>
+                                            <p:strVal val="#ppt_x+.1"/>
+                                          </p:val>
+                                        </p:tav>
+                                        <p:tav tm="100000">
+                                          <p:val>
+                                            <p:strVal val="#ppt_x"/>
+                                          </p:val>
+                                        </p:tav>
+                                      </p:tavLst>
+                                    </p:anim>
+                                    <p:anim calcmode="lin" valueType="num">
+                                      <p:cBhvr>
+                                        <p:cTn id="8" dur="500" fill="hold"/>
+                                        <p:tgtEl>
+                                          <p:spTgt spid="16"/>
+                                        </p:tgtEl>
+                                        <p:attrNameLst>
+                                          <p:attrName>ppt_y</p:attrName>
+                                        </p:attrNameLst>
+                                      </p:cBhvr>
+                                      <p:tavLst>
+                                        <p:tav tm="0">
+                                          <p:val>
+                                            <p:strVal val="#ppt_y"/>
+                                          </p:val>
+                                        </p:tav>
+                                        <p:tav tm="100000">
+                                          <p:val>
+                                            <p:strVal val="#ppt_y"/>
+                                          </p:val>
+                                        </p:tav>
+                                      </p:tavLst>
+                                    </p:anim>
+                                    <p:anim calcmode="lin" valueType="num">
+                                      <p:cBhvr>
+                                        <p:cTn id="9" dur="500" fill="hold"/>
+                                        <p:tgtEl>
+                                          <p:spTgt spid="16"/>
+                                        </p:tgtEl>
+                                        <p:attrNameLst>
+                                          <p:attrName>ppt_h</p:attrName>
+                                        </p:attrNameLst>
+                                      </p:cBhvr>
+                                      <p:tavLst>
+                                        <p:tav tm="0">
+                                          <p:val>
+                                            <p:strVal val="#ppt_h/10"/>
+                                          </p:val>
+                                        </p:tav>
+                                        <p:tav tm="50000">
+                                          <p:val>
+                                            <p:strVal val="#ppt_h+.01"/>
+                                          </p:val>
+                                        </p:tav>
+                                        <p:tav tm="100000">
+                                          <p:val>
+                                            <p:strVal val="#ppt_h"/>
+                                          </p:val>
+                                        </p:tav>
+                                      </p:tavLst>
+                                    </p:anim>
+                                    <p:anim calcmode="lin" valueType="num">
+                                      <p:cBhvr>
+                                        <p:cTn id="10" dur="500" fill="hold"/>
+                                        <p:tgtEl>
+                                          <p:spTgt spid="16"/>
+                                        </p:tgtEl>
+                                        <p:attrNameLst>
+                                          <p:attrName>ppt_w</p:attrName>
+                                        </p:attrNameLst>
+                                      </p:cBhvr>
+                                      <p:tavLst>
+                                        <p:tav tm="0">
+                                          <p:val>
+                                            <p:strVal val="#ppt_w/10"/>
+                                          </p:val>
+                                        </p:tav>
+                                        <p:tav tm="50000">
+                                          <p:val>
+                                            <p:strVal val="#ppt_w+.01"/>
+                                          </p:val>
+                                        </p:tav>
+                                        <p:tav tm="100000">
+                                          <p:val>
+                                            <p:strVal val="#ppt_w"/>
+                                          </p:val>
+                                        </p:tav>
+                                      </p:tavLst>
+                                    </p:anim>
+                                    <p:animEffect transition="in" filter="fade">
+                                      <p:cBhvr>
+                                        <p:cTn id="11" dur="500" tmFilter="0,0; .5, 1; 1, 1"/>
+                                        <p:tgtEl>
+                                          <p:spTgt spid="16"/>
+                                        </p:tgtEl>
+                                      </p:cBhvr>
+                                    </p:animEffect>
+                                  </p:childTnLst>
+                                </p:cTn>
+                              </p:par>
+                            </p:childTnLst>
+                          </p:cTn>
+                        </p:par>
+                      </p:childTnLst>
+                    </p:cTn>
+                  </p:par>
+                </p:childTnLst>
+              </p:cTn>
+              <p:prevCondLst>
+                <p:cond evt="onPrev" delay="0">
+                  <p:tgtEl>
+                    <p:sldTgt/>
+                  </p:tgtEl>
+                </p:cond>
+              </p:prevCondLst>
+              <p:nextCondLst>
+                <p:cond evt="onNext" delay="0">
+                  <p:tgtEl>
+                    <p:sldTgt/>
+                  </p:tgtEl>
+                </p:cond>
+              </p:nextCondLst>
+            </p:seq>
+          </p:childTnLst>
+        </p:cTn>
+      </p:par>
+    </p:tnLst>
+    <p:bldLst>
+      <p:bldP spid="16" grpId="0"/>
+    </p:bldLst>
+  </p:timing>
+</p:sld>
+</file>
+
+<file path=ppt/slides/slide22.xml><?xml version="1.0" encoding="utf-8"?>
+<p:sld xmlns:a="http://schemas.openxmlformats.org/drawingml/2006/main" xmlns:r="http://schemas.openxmlformats.org/officeDocument/2006/relationships" xmlns:p="http://schemas.openxmlformats.org/presentationml/2006/main">
+  <p:cSld>
+    <p:spTree>
+      <p:nvGrpSpPr>
+        <p:cNvPr id="1" name=""/>
+        <p:cNvGrpSpPr/>
+        <p:nvPr/>
+      </p:nvGrpSpPr>
+      <p:grpSpPr>
+        <a:xfrm>
+          <a:off x="0" y="0"/>
+          <a:ext cx="0" cy="0"/>
+          <a:chOff x="0" y="0"/>
+          <a:chExt cx="0" cy="0"/>
+        </a:xfrm>
+      </p:grpSpPr>
+      <p:sp>
+        <p:nvSpPr>
+          <p:cNvPr id="16" name="Title 1"/>
+          <p:cNvSpPr txBox="1">
+            <a:spLocks/>
+          </p:cNvSpPr>
+          <p:nvPr/>
+        </p:nvSpPr>
+        <p:spPr>
+          <a:xfrm>
+            <a:off x="857880" y="200199"/>
+            <a:ext cx="2129944" cy="379477"/>
+          </a:xfrm>
+          <a:prstGeom prst="rect">
+            <a:avLst/>
+          </a:prstGeom>
+        </p:spPr>
+        <p:txBody>
+          <a:bodyPr lIns="0" rIns="0" anchor="ctr">
+            <a:noAutofit/>
+          </a:bodyPr>
+          <a:lstStyle>
+            <a:lvl1pPr algn="ctr" defTabSz="914400" rtl="0" eaLnBrk="1" latinLnBrk="0" hangingPunct="1">
+              <a:spcBef>
+                <a:spcPct val="0"/>
+              </a:spcBef>
+              <a:buNone/>
+              <a:defRPr sz="3000" b="0" kern="1200">
+                <a:solidFill>
+                  <a:schemeClr val="accent1"/>
+                </a:solidFill>
+                <a:latin typeface="U.S. 101" pitchFamily="2" charset="0"/>
+                <a:ea typeface="Roboto" pitchFamily="2" charset="0"/>
+                <a:cs typeface="Open Sans Light" panose="020B0306030504020204" pitchFamily="34" charset="0"/>
+              </a:defRPr>
+            </a:lvl1pPr>
+          </a:lstStyle>
+          <a:p>
+            <a:pPr algn="l"/>
+            <a:r>
+              <a:rPr lang="zh-CN" altLang="en-US" sz="1800" b="1" dirty="0" smtClean="0">
+                <a:solidFill>
+                  <a:schemeClr val="tx1">
+                    <a:lumMod val="75000"/>
+                    <a:lumOff val="25000"/>
+                  </a:schemeClr>
+                </a:solidFill>
+                <a:latin typeface="微软雅黑" panose="020B0503020204020204" pitchFamily="34" charset="-122"/>
+                <a:ea typeface="微软雅黑" panose="020B0503020204020204" pitchFamily="34" charset="-122"/>
+              </a:rPr>
+              <a:t>实验分析</a:t>
+            </a:r>
+            <a:endParaRPr lang="en-GB" altLang="zh-CN" sz="1800" b="1" dirty="0">
+              <a:solidFill>
+                <a:schemeClr val="tx1">
+                  <a:lumMod val="75000"/>
+                  <a:lumOff val="25000"/>
+                </a:schemeClr>
+              </a:solidFill>
+              <a:latin typeface="微软雅黑" panose="020B0503020204020204" pitchFamily="34" charset="-122"/>
+              <a:ea typeface="微软雅黑" panose="020B0503020204020204" pitchFamily="34" charset="-122"/>
+            </a:endParaRPr>
+          </a:p>
+        </p:txBody>
+      </p:sp>
+      <p:sp>
+        <p:nvSpPr>
+          <p:cNvPr id="6" name="文本框 5"/>
+          <p:cNvSpPr txBox="1"/>
+          <p:nvPr/>
+        </p:nvSpPr>
+        <p:spPr>
+          <a:xfrm>
+            <a:off x="876417" y="987574"/>
+            <a:ext cx="7560840" cy="336695"/>
+          </a:xfrm>
+          <a:prstGeom prst="rect">
+            <a:avLst/>
+          </a:prstGeom>
+          <a:noFill/>
+        </p:spPr>
+        <p:txBody>
+          <a:bodyPr wrap="square" rtlCol="0">
+            <a:spAutoFit/>
+          </a:bodyPr>
+          <a:lstStyle/>
+          <a:p>
+            <a:pPr>
+              <a:lnSpc>
+                <a:spcPct val="150000"/>
+              </a:lnSpc>
+            </a:pPr>
+            <a:r>
+              <a:rPr lang="zh-CN" altLang="en-US" sz="1200" dirty="0" smtClean="0">
+                <a:solidFill>
+                  <a:schemeClr val="tx1">
+                    <a:lumMod val="75000"/>
+                    <a:lumOff val="25000"/>
+                  </a:schemeClr>
+                </a:solidFill>
+                <a:latin typeface="微软雅黑" panose="020B0503020204020204" pitchFamily="34" charset="-122"/>
+                <a:ea typeface="微软雅黑" panose="020B0503020204020204" pitchFamily="34" charset="-122"/>
+              </a:rPr>
+              <a:t>        本</a:t>
+            </a:r>
+            <a:r>
+              <a:rPr lang="zh-CN" altLang="en-US" sz="1200" dirty="0">
+                <a:solidFill>
+                  <a:schemeClr val="tx1">
+                    <a:lumMod val="75000"/>
+                    <a:lumOff val="25000"/>
+                  </a:schemeClr>
+                </a:solidFill>
+                <a:latin typeface="微软雅黑" panose="020B0503020204020204" pitchFamily="34" charset="-122"/>
+                <a:ea typeface="微软雅黑" panose="020B0503020204020204" pitchFamily="34" charset="-122"/>
+              </a:rPr>
+              <a:t>实验采用的多种降维方法的效果如下表所示</a:t>
+            </a:r>
+            <a:endParaRPr lang="zh-CN" altLang="en-US" sz="1200" dirty="0" smtClean="0">
+              <a:solidFill>
+                <a:schemeClr val="tx1">
+                  <a:lumMod val="75000"/>
+                  <a:lumOff val="25000"/>
+                </a:schemeClr>
+              </a:solidFill>
+              <a:latin typeface="微软雅黑" panose="020B0503020204020204" pitchFamily="34" charset="-122"/>
+              <a:ea typeface="微软雅黑" panose="020B0503020204020204" pitchFamily="34" charset="-122"/>
+            </a:endParaRPr>
+          </a:p>
+        </p:txBody>
+      </p:sp>
+      <p:sp>
+        <p:nvSpPr>
+          <p:cNvPr id="7" name="文本框 6"/>
+          <p:cNvSpPr txBox="1"/>
+          <p:nvPr/>
+        </p:nvSpPr>
+        <p:spPr>
+          <a:xfrm>
+            <a:off x="857880" y="3867894"/>
+            <a:ext cx="7560840" cy="890693"/>
+          </a:xfrm>
+          <a:prstGeom prst="rect">
+            <a:avLst/>
+          </a:prstGeom>
+          <a:noFill/>
+        </p:spPr>
+        <p:txBody>
+          <a:bodyPr wrap="square" rtlCol="0">
+            <a:spAutoFit/>
+          </a:bodyPr>
+          <a:lstStyle/>
+          <a:p>
+            <a:pPr>
+              <a:lnSpc>
+                <a:spcPct val="150000"/>
+              </a:lnSpc>
+            </a:pPr>
+            <a:r>
+              <a:rPr lang="zh-CN" altLang="en-US" sz="1200" dirty="0" smtClean="0">
+                <a:solidFill>
+                  <a:schemeClr val="tx1">
+                    <a:lumMod val="75000"/>
+                    <a:lumOff val="25000"/>
+                  </a:schemeClr>
+                </a:solidFill>
+                <a:latin typeface="微软雅黑" panose="020B0503020204020204" pitchFamily="34" charset="-122"/>
+                <a:ea typeface="微软雅黑" panose="020B0503020204020204" pitchFamily="34" charset="-122"/>
+              </a:rPr>
+              <a:t>        除了</a:t>
+            </a:r>
+            <a:r>
+              <a:rPr lang="en-US" altLang="zh-CN" sz="1200" dirty="0">
+                <a:solidFill>
+                  <a:schemeClr val="tx1">
+                    <a:lumMod val="75000"/>
+                    <a:lumOff val="25000"/>
+                  </a:schemeClr>
+                </a:solidFill>
+                <a:latin typeface="微软雅黑" panose="020B0503020204020204" pitchFamily="34" charset="-122"/>
+                <a:ea typeface="微软雅黑" panose="020B0503020204020204" pitchFamily="34" charset="-122"/>
+              </a:rPr>
+              <a:t>SVD</a:t>
+            </a:r>
+            <a:r>
+              <a:rPr lang="zh-CN" altLang="en-US" sz="1200" dirty="0">
+                <a:solidFill>
+                  <a:schemeClr val="tx1">
+                    <a:lumMod val="75000"/>
+                    <a:lumOff val="25000"/>
+                  </a:schemeClr>
+                </a:solidFill>
+                <a:latin typeface="微软雅黑" panose="020B0503020204020204" pitchFamily="34" charset="-122"/>
+                <a:ea typeface="微软雅黑" panose="020B0503020204020204" pitchFamily="34" charset="-122"/>
+              </a:rPr>
+              <a:t>降维方法对本实验的数据无效以外，所有的数据降维方法在减少数据维度的同时，也起到了一定的特征提取的作用，提高了分类的效果。不过与神经网络相比，这种特征提取计算量较小，提取出的特征与用于计算的数据密切相关，并且没有固定的参数，无法学习。</a:t>
+            </a:r>
+            <a:endParaRPr lang="zh-CN" altLang="en-US" sz="1200" dirty="0" smtClean="0">
+              <a:solidFill>
+                <a:schemeClr val="tx1">
+                  <a:lumMod val="75000"/>
+                  <a:lumOff val="25000"/>
+                </a:schemeClr>
+              </a:solidFill>
+              <a:latin typeface="微软雅黑" panose="020B0503020204020204" pitchFamily="34" charset="-122"/>
+              <a:ea typeface="微软雅黑" panose="020B0503020204020204" pitchFamily="34" charset="-122"/>
+            </a:endParaRPr>
+          </a:p>
+        </p:txBody>
+      </p:sp>
+      <p:graphicFrame>
+        <p:nvGraphicFramePr>
+          <p:cNvPr id="3" name="对象 2"/>
+          <p:cNvGraphicFramePr>
+            <a:graphicFrameLocks noChangeAspect="1"/>
+          </p:cNvGraphicFramePr>
+          <p:nvPr>
+            <p:extLst>
+              <p:ext uri="{D42A27DB-BD31-4B8C-83A1-F6EECF244321}">
+                <p14:modId xmlns:p14="http://schemas.microsoft.com/office/powerpoint/2010/main" val="1508696196"/>
+              </p:ext>
+            </p:extLst>
+          </p:nvPr>
+        </p:nvGraphicFramePr>
+        <p:xfrm>
+          <a:off x="1331640" y="1630482"/>
+          <a:ext cx="5746750" cy="2022475"/>
+        </p:xfrm>
+        <a:graphic>
+          <a:graphicData uri="http://schemas.openxmlformats.org/presentationml/2006/ole">
+            <mc:AlternateContent xmlns:mc="http://schemas.openxmlformats.org/markup-compatibility/2006">
+              <mc:Choice xmlns:v="urn:schemas-microsoft-com:vml" Requires="v">
+                <p:oleObj spid="_x0000_s4099" name="文档" r:id="rId4" imgW="5746716" imgH="2022820" progId="Word.Document.12">
+                  <p:embed/>
+                </p:oleObj>
+              </mc:Choice>
+              <mc:Fallback>
+                <p:oleObj name="文档" r:id="rId4" imgW="5746716" imgH="2022820" progId="Word.Document.12">
+                  <p:embed/>
+                  <p:pic>
+                    <p:nvPicPr>
+                      <p:cNvPr id="0" name=""/>
+                      <p:cNvPicPr/>
+                      <p:nvPr/>
+                    </p:nvPicPr>
+                    <p:blipFill>
+                      <a:blip r:embed="rId5"/>
+                      <a:stretch>
+                        <a:fillRect/>
+                      </a:stretch>
+                    </p:blipFill>
+                    <p:spPr>
+                      <a:xfrm>
+                        <a:off x="1331640" y="1630482"/>
+                        <a:ext cx="5746750" cy="2022475"/>
+                      </a:xfrm>
+                      <a:prstGeom prst="rect">
+                        <a:avLst/>
+                      </a:prstGeom>
+                    </p:spPr>
+                  </p:pic>
+                </p:oleObj>
+              </mc:Fallback>
+            </mc:AlternateContent>
+          </a:graphicData>
+        </a:graphic>
+      </p:graphicFrame>
+    </p:spTree>
+    <p:extLst>
+      <p:ext uri="{BB962C8B-B14F-4D97-AF65-F5344CB8AC3E}">
+        <p14:creationId xmlns:p14="http://schemas.microsoft.com/office/powerpoint/2010/main" val="718736145"/>
+      </p:ext>
+    </p:extLst>
+  </p:cSld>
+  <p:clrMapOvr>
+    <a:masterClrMapping/>
+  </p:clrMapOvr>
+  <p:transition spd="slow" advClick="0" advTm="0">
+    <p:cover/>
+  </p:transition>
+  <p:timing>
+    <p:tnLst>
+      <p:par>
+        <p:cTn id="1" dur="indefinite" restart="never" nodeType="tmRoot">
+          <p:childTnLst>
+            <p:seq concurrent="1" nextAc="seek">
+              <p:cTn id="2" dur="indefinite" nodeType="mainSeq">
+                <p:childTnLst>
+                  <p:par>
+                    <p:cTn id="3" fill="hold">
+                      <p:stCondLst>
+                        <p:cond delay="indefinite"/>
+                        <p:cond evt="onBegin" delay="0">
+                          <p:tn val="2"/>
+                        </p:cond>
+                      </p:stCondLst>
+                      <p:childTnLst>
+                        <p:par>
+                          <p:cTn id="4" fill="hold">
+                            <p:stCondLst>
+                              <p:cond delay="0"/>
+                            </p:stCondLst>
+                            <p:childTnLst>
+                              <p:par>
+                                <p:cTn id="5" presetID="41" presetClass="entr" presetSubtype="0" fill="hold" grpId="0" nodeType="afterEffect">
+                                  <p:stCondLst>
+                                    <p:cond delay="0"/>
+                                  </p:stCondLst>
+                                  <p:iterate type="lt">
+                                    <p:tmPct val="10000"/>
+                                  </p:iterate>
+                                  <p:childTnLst>
+                                    <p:set>
+                                      <p:cBhvr>
+                                        <p:cTn id="6" dur="1" fill="hold">
+                                          <p:stCondLst>
+                                            <p:cond delay="0"/>
+                                          </p:stCondLst>
+                                        </p:cTn>
+                                        <p:tgtEl>
+                                          <p:spTgt spid="16"/>
+                                        </p:tgtEl>
+                                        <p:attrNameLst>
+                                          <p:attrName>style.visibility</p:attrName>
+                                        </p:attrNameLst>
+                                      </p:cBhvr>
+                                      <p:to>
+                                        <p:strVal val="visible"/>
+                                      </p:to>
+                                    </p:set>
+                                    <p:anim calcmode="lin" valueType="num">
+                                      <p:cBhvr>
+                                        <p:cTn id="7" dur="500" fill="hold"/>
+                                        <p:tgtEl>
+                                          <p:spTgt spid="16"/>
+                                        </p:tgtEl>
+                                        <p:attrNameLst>
+                                          <p:attrName>ppt_x</p:attrName>
+                                        </p:attrNameLst>
+                                      </p:cBhvr>
+                                      <p:tavLst>
+                                        <p:tav tm="0">
+                                          <p:val>
+                                            <p:strVal val="#ppt_x"/>
+                                          </p:val>
+                                        </p:tav>
+                                        <p:tav tm="50000">
+                                          <p:val>
+                                            <p:strVal val="#ppt_x+.1"/>
+                                          </p:val>
+                                        </p:tav>
+                                        <p:tav tm="100000">
+                                          <p:val>
+                                            <p:strVal val="#ppt_x"/>
+                                          </p:val>
+                                        </p:tav>
+                                      </p:tavLst>
+                                    </p:anim>
+                                    <p:anim calcmode="lin" valueType="num">
+                                      <p:cBhvr>
+                                        <p:cTn id="8" dur="500" fill="hold"/>
+                                        <p:tgtEl>
+                                          <p:spTgt spid="16"/>
+                                        </p:tgtEl>
+                                        <p:attrNameLst>
+                                          <p:attrName>ppt_y</p:attrName>
+                                        </p:attrNameLst>
+                                      </p:cBhvr>
+                                      <p:tavLst>
+                                        <p:tav tm="0">
+                                          <p:val>
+                                            <p:strVal val="#ppt_y"/>
+                                          </p:val>
+                                        </p:tav>
+                                        <p:tav tm="100000">
+                                          <p:val>
+                                            <p:strVal val="#ppt_y"/>
+                                          </p:val>
+                                        </p:tav>
+                                      </p:tavLst>
+                                    </p:anim>
+                                    <p:anim calcmode="lin" valueType="num">
+                                      <p:cBhvr>
+                                        <p:cTn id="9" dur="500" fill="hold"/>
+                                        <p:tgtEl>
+                                          <p:spTgt spid="16"/>
+                                        </p:tgtEl>
+                                        <p:attrNameLst>
+                                          <p:attrName>ppt_h</p:attrName>
+                                        </p:attrNameLst>
+                                      </p:cBhvr>
+                                      <p:tavLst>
+                                        <p:tav tm="0">
+                                          <p:val>
+                                            <p:strVal val="#ppt_h/10"/>
+                                          </p:val>
+                                        </p:tav>
+                                        <p:tav tm="50000">
+                                          <p:val>
+                                            <p:strVal val="#ppt_h+.01"/>
+                                          </p:val>
+                                        </p:tav>
+                                        <p:tav tm="100000">
+                                          <p:val>
+                                            <p:strVal val="#ppt_h"/>
+                                          </p:val>
+                                        </p:tav>
+                                      </p:tavLst>
+                                    </p:anim>
+                                    <p:anim calcmode="lin" valueType="num">
+                                      <p:cBhvr>
+                                        <p:cTn id="10" dur="500" fill="hold"/>
+                                        <p:tgtEl>
+                                          <p:spTgt spid="16"/>
+                                        </p:tgtEl>
+                                        <p:attrNameLst>
+                                          <p:attrName>ppt_w</p:attrName>
+                                        </p:attrNameLst>
+                                      </p:cBhvr>
+                                      <p:tavLst>
+                                        <p:tav tm="0">
+                                          <p:val>
+                                            <p:strVal val="#ppt_w/10"/>
+                                          </p:val>
+                                        </p:tav>
+                                        <p:tav tm="50000">
+                                          <p:val>
+                                            <p:strVal val="#ppt_w+.01"/>
+                                          </p:val>
+                                        </p:tav>
+                                        <p:tav tm="100000">
+                                          <p:val>
+                                            <p:strVal val="#ppt_w"/>
+                                          </p:val>
+                                        </p:tav>
+                                      </p:tavLst>
+                                    </p:anim>
+                                    <p:animEffect transition="in" filter="fade">
+                                      <p:cBhvr>
+                                        <p:cTn id="11" dur="500" tmFilter="0,0; .5, 1; 1, 1"/>
+                                        <p:tgtEl>
+                                          <p:spTgt spid="16"/>
+                                        </p:tgtEl>
+                                      </p:cBhvr>
+                                    </p:animEffect>
+                                  </p:childTnLst>
+                                </p:cTn>
+                              </p:par>
+                            </p:childTnLst>
+                          </p:cTn>
+                        </p:par>
+                      </p:childTnLst>
+                    </p:cTn>
+                  </p:par>
+                </p:childTnLst>
+              </p:cTn>
+              <p:prevCondLst>
+                <p:cond evt="onPrev" delay="0">
+                  <p:tgtEl>
+                    <p:sldTgt/>
+                  </p:tgtEl>
+                </p:cond>
+              </p:prevCondLst>
+              <p:nextCondLst>
+                <p:cond evt="onNext" delay="0">
+                  <p:tgtEl>
+                    <p:sldTgt/>
+                  </p:tgtEl>
+                </p:cond>
+              </p:nextCondLst>
+            </p:seq>
+          </p:childTnLst>
+        </p:cTn>
+      </p:par>
+    </p:tnLst>
+    <p:bldLst>
+      <p:bldP spid="16" grpId="0"/>
+    </p:bldLst>
+  </p:timing>
+</p:sld>
+</file>
+
+<file path=ppt/slides/slide23.xml><?xml version="1.0" encoding="utf-8"?>
+<p:sld xmlns:a="http://schemas.openxmlformats.org/drawingml/2006/main" xmlns:r="http://schemas.openxmlformats.org/officeDocument/2006/relationships" xmlns:p="http://schemas.openxmlformats.org/presentationml/2006/main">
+  <p:cSld>
+    <p:spTree>
+      <p:nvGrpSpPr>
+        <p:cNvPr id="1" name=""/>
+        <p:cNvGrpSpPr/>
+        <p:nvPr/>
+      </p:nvGrpSpPr>
+      <p:grpSpPr>
+        <a:xfrm>
+          <a:off x="0" y="0"/>
+          <a:ext cx="0" cy="0"/>
+          <a:chOff x="0" y="0"/>
+          <a:chExt cx="0" cy="0"/>
+        </a:xfrm>
+      </p:grpSpPr>
+      <p:sp>
+        <p:nvSpPr>
           <p:cNvPr id="2" name="矩形 1"/>
           <p:cNvSpPr/>
           <p:nvPr/>
@@ -15797,8 +17368,8 @@
           </a:p>
         </p:txBody>
       </p:sp>
-      <mc:AlternateContent xmlns:mc="http://schemas.openxmlformats.org/markup-compatibility/2006">
-        <mc:Choice xmlns:a14="http://schemas.microsoft.com/office/drawing/2010/main" Requires="a14">
+      <mc:AlternateContent xmlns:mc="http://schemas.openxmlformats.org/markup-compatibility/2006" xmlns:a14="http://schemas.microsoft.com/office/drawing/2010/main">
+        <mc:Choice Requires="a14">
           <p:sp>
             <p:nvSpPr>
               <p:cNvPr id="15" name="矩形 14"/>
@@ -16711,7 +18282,7 @@
             </p:txBody>
           </p:sp>
         </mc:Choice>
-        <mc:Fallback>
+        <mc:Fallback xmlns="">
           <p:sp>
             <p:nvSpPr>
               <p:cNvPr id="15" name="矩形 14"/>
@@ -17090,8 +18661,8 @@
           </a:p>
         </p:txBody>
       </p:sp>
-      <mc:AlternateContent xmlns:mc="http://schemas.openxmlformats.org/markup-compatibility/2006">
-        <mc:Choice xmlns:a14="http://schemas.microsoft.com/office/drawing/2010/main" Requires="a14">
+      <mc:AlternateContent xmlns:mc="http://schemas.openxmlformats.org/markup-compatibility/2006" xmlns:a14="http://schemas.microsoft.com/office/drawing/2010/main">
+        <mc:Choice Requires="a14">
           <p:sp>
             <p:nvSpPr>
               <p:cNvPr id="15" name="矩形 14"/>
@@ -17534,7 +19105,7 @@
             </p:txBody>
           </p:sp>
         </mc:Choice>
-        <mc:Fallback>
+        <mc:Fallback xmlns="">
           <p:sp>
             <p:nvSpPr>
               <p:cNvPr id="15" name="矩形 14"/>
@@ -18094,16 +19665,6 @@
               </a:rPr>
               <a:t>个词</a:t>
             </a:r>
-            <a:endParaRPr lang="zh-CN" altLang="en-US" sz="1200" dirty="0" smtClean="0">
-              <a:solidFill>
-                <a:schemeClr val="tx1">
-                  <a:lumMod val="75000"/>
-                  <a:lumOff val="25000"/>
-                </a:schemeClr>
-              </a:solidFill>
-              <a:latin typeface="微软雅黑" panose="020B0503020204020204" pitchFamily="34" charset="-122"/>
-              <a:ea typeface="微软雅黑" panose="020B0503020204020204" pitchFamily="34" charset="-122"/>
-            </a:endParaRPr>
           </a:p>
         </p:txBody>
       </p:sp>
@@ -18137,8 +19698,8 @@
           </a:prstGeom>
         </p:spPr>
       </p:pic>
-      <mc:AlternateContent xmlns:mc="http://schemas.openxmlformats.org/markup-compatibility/2006">
-        <mc:Choice xmlns:a14="http://schemas.microsoft.com/office/drawing/2010/main" Requires="a14">
+      <mc:AlternateContent xmlns:mc="http://schemas.openxmlformats.org/markup-compatibility/2006" xmlns:a14="http://schemas.microsoft.com/office/drawing/2010/main">
+        <mc:Choice Requires="a14">
           <p:sp>
             <p:nvSpPr>
               <p:cNvPr id="7" name="文本框 6"/>
@@ -18314,26 +19875,36 @@
                     <m:sSub>
                       <m:sSubPr>
                         <m:ctrlPr>
-                          <a:rPr lang="zh-CN" altLang="zh-CN" i="1"/>
+                          <a:rPr lang="zh-CN" altLang="zh-CN" i="1">
+                            <a:latin typeface="Cambria Math" panose="02040503050406030204" pitchFamily="18" charset="0"/>
+                          </a:rPr>
                         </m:ctrlPr>
                       </m:sSubPr>
                       <m:e>
                         <m:r>
-                          <a:rPr lang="en-US" altLang="zh-CN" i="1"/>
+                          <a:rPr lang="en-US" altLang="zh-CN" i="1">
+                            <a:latin typeface="Cambria Math" panose="02040503050406030204" pitchFamily="18" charset="0"/>
+                          </a:rPr>
                           <m:t>𝑥</m:t>
                         </m:r>
                       </m:e>
                       <m:sub>
                         <m:r>
-                          <a:rPr lang="en-US" altLang="zh-CN" i="1"/>
+                          <a:rPr lang="en-US" altLang="zh-CN" i="1">
+                            <a:latin typeface="Cambria Math" panose="02040503050406030204" pitchFamily="18" charset="0"/>
+                          </a:rPr>
                           <m:t>𝑖</m:t>
                         </m:r>
                         <m:r>
-                          <a:rPr lang="en-US" altLang="zh-CN" i="1"/>
+                          <a:rPr lang="en-US" altLang="zh-CN" i="1">
+                            <a:latin typeface="Cambria Math" panose="02040503050406030204" pitchFamily="18" charset="0"/>
+                          </a:rPr>
                           <m:t>,</m:t>
                         </m:r>
                         <m:r>
-                          <a:rPr lang="en-US" altLang="zh-CN" i="1"/>
+                          <a:rPr lang="en-US" altLang="zh-CN" i="1">
+                            <a:latin typeface="Cambria Math" panose="02040503050406030204" pitchFamily="18" charset="0"/>
+                          </a:rPr>
                           <m:t>𝑗</m:t>
                         </m:r>
                       </m:sub>
@@ -18419,7 +19990,7 @@
             </p:txBody>
           </p:sp>
         </mc:Choice>
-        <mc:Fallback>
+        <mc:Fallback xmlns="">
           <p:sp>
             <p:nvSpPr>
               <p:cNvPr id="7" name="文本框 6"/>
@@ -18803,8 +20374,8 @@
           </a:p>
         </p:txBody>
       </p:sp>
-      <mc:AlternateContent xmlns:mc="http://schemas.openxmlformats.org/markup-compatibility/2006">
-        <mc:Choice xmlns:a14="http://schemas.microsoft.com/office/drawing/2010/main" Requires="a14">
+      <mc:AlternateContent xmlns:mc="http://schemas.openxmlformats.org/markup-compatibility/2006" xmlns:a14="http://schemas.microsoft.com/office/drawing/2010/main">
+        <mc:Choice Requires="a14">
           <p:sp>
             <p:nvSpPr>
               <p:cNvPr id="7" name="文本框 6"/>
@@ -18967,26 +20538,36 @@
                     <m:sSub>
                       <m:sSubPr>
                         <m:ctrlPr>
-                          <a:rPr lang="zh-CN" altLang="zh-CN" i="1"/>
+                          <a:rPr lang="zh-CN" altLang="zh-CN" i="1">
+                            <a:latin typeface="Cambria Math" panose="02040503050406030204" pitchFamily="18" charset="0"/>
+                          </a:rPr>
                         </m:ctrlPr>
                       </m:sSubPr>
                       <m:e>
                         <m:r>
-                          <a:rPr lang="en-US" altLang="zh-CN" i="1"/>
+                          <a:rPr lang="en-US" altLang="zh-CN" i="1">
+                            <a:latin typeface="Cambria Math" panose="02040503050406030204" pitchFamily="18" charset="0"/>
+                          </a:rPr>
                           <m:t>𝑦</m:t>
                         </m:r>
                       </m:e>
                       <m:sub>
                         <m:r>
-                          <a:rPr lang="en-US" altLang="zh-CN" i="1"/>
+                          <a:rPr lang="en-US" altLang="zh-CN" i="1">
+                            <a:latin typeface="Cambria Math" panose="02040503050406030204" pitchFamily="18" charset="0"/>
+                          </a:rPr>
                           <m:t>𝑖</m:t>
                         </m:r>
                         <m:r>
-                          <a:rPr lang="en-US" altLang="zh-CN" i="1"/>
+                          <a:rPr lang="en-US" altLang="zh-CN" i="1">
+                            <a:latin typeface="Cambria Math" panose="02040503050406030204" pitchFamily="18" charset="0"/>
+                          </a:rPr>
                           <m:t>,</m:t>
                         </m:r>
                         <m:r>
-                          <a:rPr lang="en-US" altLang="zh-CN" i="1"/>
+                          <a:rPr lang="en-US" altLang="zh-CN" i="1">
+                            <a:latin typeface="Cambria Math" panose="02040503050406030204" pitchFamily="18" charset="0"/>
+                          </a:rPr>
                           <m:t>𝑗</m:t>
                         </m:r>
                       </m:sub>
@@ -19072,7 +20653,7 @@
             </p:txBody>
           </p:sp>
         </mc:Choice>
-        <mc:Fallback>
+        <mc:Fallback xmlns="">
           <p:sp>
             <p:nvSpPr>
               <p:cNvPr id="7" name="文本框 6"/>
@@ -19142,7 +20723,7 @@
         <p:spPr>
           <a:xfrm>
             <a:off x="1043608" y="2787774"/>
-            <a:ext cx="7344816" cy="276999"/>
+            <a:ext cx="7344816" cy="613694"/>
           </a:xfrm>
           <a:prstGeom prst="rect">
             <a:avLst/>
@@ -19155,8 +20736,13 @@
           </a:bodyPr>
           <a:lstStyle/>
           <a:p>
-            <a:r>
-              <a:rPr lang="en-US" altLang="zh-CN" sz="1200" dirty="0" smtClean="0">
+            <a:pPr>
+              <a:lnSpc>
+                <a:spcPct val="150000"/>
+              </a:lnSpc>
+            </a:pPr>
+            <a:r>
+              <a:rPr lang="zh-CN" altLang="en-US" sz="1200" dirty="0" smtClean="0">
                 <a:solidFill>
                   <a:schemeClr val="tx1">
                     <a:lumMod val="75000"/>
@@ -19166,10 +20752,10 @@
                 <a:latin typeface="微软雅黑" panose="020B0503020204020204" pitchFamily="34" charset="-122"/>
                 <a:ea typeface="微软雅黑" panose="020B0503020204020204" pitchFamily="34" charset="-122"/>
               </a:rPr>
-              <a:t>        </a:t>
-            </a:r>
-            <a:r>
-              <a:rPr lang="zh-CN" altLang="en-US" sz="1200" dirty="0" smtClean="0">
+              <a:t>        传统</a:t>
+            </a:r>
+            <a:r>
+              <a:rPr lang="zh-CN" altLang="en-US" sz="1200" dirty="0">
                 <a:solidFill>
                   <a:schemeClr val="tx1">
                     <a:lumMod val="75000"/>
@@ -19179,10 +20765,10 @@
                 <a:latin typeface="微软雅黑" panose="020B0503020204020204" pitchFamily="34" charset="-122"/>
                 <a:ea typeface="微软雅黑" panose="020B0503020204020204" pitchFamily="34" charset="-122"/>
               </a:rPr>
-              <a:t>一般都是使用右矩阵，也就是</a:t>
-            </a:r>
-            <a:r>
-              <a:rPr lang="en-US" altLang="zh-CN" sz="1200" dirty="0" smtClean="0">
+              <a:t>的</a:t>
+            </a:r>
+            <a:r>
+              <a:rPr lang="en-US" altLang="zh-CN" sz="1200" dirty="0">
                 <a:solidFill>
                   <a:schemeClr val="tx1">
                     <a:lumMod val="75000"/>
@@ -19192,10 +20778,10 @@
                 <a:latin typeface="微软雅黑" panose="020B0503020204020204" pitchFamily="34" charset="-122"/>
                 <a:ea typeface="微软雅黑" panose="020B0503020204020204" pitchFamily="34" charset="-122"/>
               </a:rPr>
-              <a:t>Y</a:t>
-            </a:r>
-            <a:r>
-              <a:rPr lang="zh-CN" altLang="en-US" sz="1200" dirty="0" smtClean="0">
+              <a:t>SVD</a:t>
+            </a:r>
+            <a:r>
+              <a:rPr lang="zh-CN" altLang="en-US" sz="1200" dirty="0">
                 <a:solidFill>
                   <a:schemeClr val="tx1">
                     <a:lumMod val="75000"/>
@@ -19205,7 +20791,20 @@
                 <a:latin typeface="微软雅黑" panose="020B0503020204020204" pitchFamily="34" charset="-122"/>
                 <a:ea typeface="微软雅黑" panose="020B0503020204020204" pitchFamily="34" charset="-122"/>
               </a:rPr>
-              <a:t>作为降维后的数据。</a:t>
+              <a:t>降维方法一般是将简奇异值分解的右矩阵作为降维后的数据，因为右矩阵的维度和原始矩阵数据中的数据个数相匹配</a:t>
+            </a:r>
+            <a:r>
+              <a:rPr lang="zh-CN" altLang="en-US" sz="1200" dirty="0" smtClean="0">
+                <a:solidFill>
+                  <a:schemeClr val="tx1">
+                    <a:lumMod val="75000"/>
+                    <a:lumOff val="25000"/>
+                  </a:schemeClr>
+                </a:solidFill>
+                <a:latin typeface="微软雅黑" panose="020B0503020204020204" pitchFamily="34" charset="-122"/>
+                <a:ea typeface="微软雅黑" panose="020B0503020204020204" pitchFamily="34" charset="-122"/>
+              </a:rPr>
+              <a:t>。</a:t>
             </a:r>
             <a:endParaRPr lang="zh-CN" altLang="en-US" sz="1200" dirty="0" smtClean="0">
               <a:solidFill>
@@ -19755,16 +21354,6 @@
               </a:rPr>
               <a:t>降维的效果差别都可能很大</a:t>
             </a:r>
-            <a:endParaRPr lang="zh-CN" altLang="en-US" sz="1200" dirty="0" smtClean="0">
-              <a:solidFill>
-                <a:schemeClr val="tx1">
-                  <a:lumMod val="75000"/>
-                  <a:lumOff val="25000"/>
-                </a:schemeClr>
-              </a:solidFill>
-              <a:latin typeface="微软雅黑" panose="020B0503020204020204" pitchFamily="34" charset="-122"/>
-              <a:ea typeface="微软雅黑" panose="020B0503020204020204" pitchFamily="34" charset="-122"/>
-            </a:endParaRPr>
           </a:p>
         </p:txBody>
       </p:sp>
@@ -20316,13 +21905,144 @@
       </p:sp>
       <p:sp>
         <p:nvSpPr>
-          <p:cNvPr id="4" name="矩形 3"/>
+          <p:cNvPr id="8" name="文本框 7"/>
+          <p:cNvSpPr txBox="1"/>
+          <p:nvPr/>
+        </p:nvSpPr>
+        <p:spPr>
+          <a:xfrm>
+            <a:off x="683568" y="987574"/>
+            <a:ext cx="7344816" cy="890693"/>
+          </a:xfrm>
+          <a:prstGeom prst="rect">
+            <a:avLst/>
+          </a:prstGeom>
+          <a:noFill/>
+        </p:spPr>
+        <p:txBody>
+          <a:bodyPr wrap="square" rtlCol="0">
+            <a:spAutoFit/>
+          </a:bodyPr>
+          <a:lstStyle/>
+          <a:p>
+            <a:pPr>
+              <a:lnSpc>
+                <a:spcPct val="150000"/>
+              </a:lnSpc>
+            </a:pPr>
+            <a:r>
+              <a:rPr lang="zh-CN" altLang="en-US" sz="1200" dirty="0" smtClean="0">
+                <a:solidFill>
+                  <a:schemeClr val="tx1">
+                    <a:lumMod val="75000"/>
+                    <a:lumOff val="25000"/>
+                  </a:schemeClr>
+                </a:solidFill>
+                <a:latin typeface="微软雅黑" panose="020B0503020204020204" pitchFamily="34" charset="-122"/>
+                <a:ea typeface="微软雅黑" panose="020B0503020204020204" pitchFamily="34" charset="-122"/>
+              </a:rPr>
+              <a:t>        截断</a:t>
+            </a:r>
+            <a:r>
+              <a:rPr lang="en-US" altLang="zh-CN" sz="1200" dirty="0">
+                <a:solidFill>
+                  <a:schemeClr val="tx1">
+                    <a:lumMod val="75000"/>
+                    <a:lumOff val="25000"/>
+                  </a:schemeClr>
+                </a:solidFill>
+                <a:latin typeface="微软雅黑" panose="020B0503020204020204" pitchFamily="34" charset="-122"/>
+                <a:ea typeface="微软雅黑" panose="020B0503020204020204" pitchFamily="34" charset="-122"/>
+              </a:rPr>
+              <a:t>SVD</a:t>
+            </a:r>
+            <a:r>
+              <a:rPr lang="zh-CN" altLang="en-US" sz="1200" dirty="0">
+                <a:solidFill>
+                  <a:schemeClr val="tx1">
+                    <a:lumMod val="75000"/>
+                    <a:lumOff val="25000"/>
+                  </a:schemeClr>
+                </a:solidFill>
+                <a:latin typeface="微软雅黑" panose="020B0503020204020204" pitchFamily="34" charset="-122"/>
+                <a:ea typeface="微软雅黑" panose="020B0503020204020204" pitchFamily="34" charset="-122"/>
+              </a:rPr>
+              <a:t>降维方法认为，矩阵进行</a:t>
+            </a:r>
+            <a:r>
+              <a:rPr lang="en-US" altLang="zh-CN" sz="1200" dirty="0">
+                <a:solidFill>
+                  <a:schemeClr val="tx1">
+                    <a:lumMod val="75000"/>
+                    <a:lumOff val="25000"/>
+                  </a:schemeClr>
+                </a:solidFill>
+                <a:latin typeface="微软雅黑" panose="020B0503020204020204" pitchFamily="34" charset="-122"/>
+                <a:ea typeface="微软雅黑" panose="020B0503020204020204" pitchFamily="34" charset="-122"/>
+              </a:rPr>
+              <a:t>SVD</a:t>
+            </a:r>
+            <a:r>
+              <a:rPr lang="zh-CN" altLang="en-US" sz="1200" dirty="0">
+                <a:solidFill>
+                  <a:schemeClr val="tx1">
+                    <a:lumMod val="75000"/>
+                    <a:lumOff val="25000"/>
+                  </a:schemeClr>
+                </a:solidFill>
+                <a:latin typeface="微软雅黑" panose="020B0503020204020204" pitchFamily="34" charset="-122"/>
+                <a:ea typeface="微软雅黑" panose="020B0503020204020204" pitchFamily="34" charset="-122"/>
+              </a:rPr>
+              <a:t>分解之后得到的奇异值矩阵中，奇异值越大，代表着相关特征的重要性或者说有效性也就越大。因此，截断</a:t>
+            </a:r>
+            <a:r>
+              <a:rPr lang="en-US" altLang="zh-CN" sz="1200" dirty="0">
+                <a:solidFill>
+                  <a:schemeClr val="tx1">
+                    <a:lumMod val="75000"/>
+                    <a:lumOff val="25000"/>
+                  </a:schemeClr>
+                </a:solidFill>
+                <a:latin typeface="微软雅黑" panose="020B0503020204020204" pitchFamily="34" charset="-122"/>
+                <a:ea typeface="微软雅黑" panose="020B0503020204020204" pitchFamily="34" charset="-122"/>
+              </a:rPr>
+              <a:t>SVD</a:t>
+            </a:r>
+            <a:r>
+              <a:rPr lang="zh-CN" altLang="en-US" sz="1200" dirty="0">
+                <a:solidFill>
+                  <a:schemeClr val="tx1">
+                    <a:lumMod val="75000"/>
+                    <a:lumOff val="25000"/>
+                  </a:schemeClr>
+                </a:solidFill>
+                <a:latin typeface="微软雅黑" panose="020B0503020204020204" pitchFamily="34" charset="-122"/>
+                <a:ea typeface="微软雅黑" panose="020B0503020204020204" pitchFamily="34" charset="-122"/>
+              </a:rPr>
+              <a:t>的目的就是将原始矩阵中较大的若干奇异值与其对应的特征提取出来，组成降维后的数据。</a:t>
+            </a:r>
+            <a:endParaRPr lang="zh-CN" altLang="en-US" sz="1200" dirty="0" smtClean="0">
+              <a:solidFill>
+                <a:schemeClr val="tx1">
+                  <a:lumMod val="75000"/>
+                  <a:lumOff val="25000"/>
+                </a:schemeClr>
+              </a:solidFill>
+              <a:latin typeface="微软雅黑" panose="020B0503020204020204" pitchFamily="34" charset="-122"/>
+              <a:ea typeface="微软雅黑" panose="020B0503020204020204" pitchFamily="34" charset="-122"/>
+            </a:endParaRPr>
+          </a:p>
+        </p:txBody>
+      </p:sp>
+      <p:sp>
+        <p:nvSpPr>
+          <p:cNvPr id="9" name="矩形 8"/>
           <p:cNvSpPr/>
           <p:nvPr/>
         </p:nvSpPr>
         <p:spPr>
           <a:xfrm>
-            <a:off x="611560" y="843558"/>
+            <a:off x="683568" y="2139702"/>
             <a:ext cx="697627" cy="400110"/>
           </a:xfrm>
           <a:prstGeom prst="rect">
@@ -20371,13 +22091,13 @@
       </p:sp>
       <p:sp>
         <p:nvSpPr>
-          <p:cNvPr id="5" name="文本框 4"/>
+          <p:cNvPr id="10" name="文本框 9"/>
           <p:cNvSpPr txBox="1"/>
           <p:nvPr/>
         </p:nvSpPr>
         <p:spPr>
           <a:xfrm>
-            <a:off x="1115616" y="1275606"/>
+            <a:off x="1187624" y="2539812"/>
             <a:ext cx="7344816" cy="369332"/>
           </a:xfrm>
           <a:prstGeom prst="rect">
@@ -20498,7 +22218,20 @@
                 <a:latin typeface="微软雅黑" panose="020B0503020204020204" pitchFamily="34" charset="-122"/>
                 <a:ea typeface="微软雅黑" panose="020B0503020204020204" pitchFamily="34" charset="-122"/>
               </a:rPr>
-              <a:t>个特征</a:t>
+              <a:t>个</a:t>
+            </a:r>
+            <a:r>
+              <a:rPr lang="zh-CN" altLang="en-US" sz="1200" dirty="0" smtClean="0">
+                <a:solidFill>
+                  <a:schemeClr val="tx1">
+                    <a:lumMod val="75000"/>
+                    <a:lumOff val="25000"/>
+                  </a:schemeClr>
+                </a:solidFill>
+                <a:latin typeface="微软雅黑" panose="020B0503020204020204" pitchFamily="34" charset="-122"/>
+                <a:ea typeface="微软雅黑" panose="020B0503020204020204" pitchFamily="34" charset="-122"/>
+              </a:rPr>
+              <a:t>特征。</a:t>
             </a:r>
             <a:endParaRPr lang="en-US" altLang="zh-CN" sz="1200" dirty="0" smtClean="0">
               <a:solidFill>
@@ -20515,7 +22248,7 @@
       </p:sp>
       <p:pic>
         <p:nvPicPr>
-          <p:cNvPr id="2" name="图片 1"/>
+          <p:cNvPr id="11" name="图片 10"/>
           <p:cNvPicPr>
             <a:picLocks noChangeAspect="1"/>
           </p:cNvPicPr>
@@ -20535,7 +22268,7 @@
         </p:blipFill>
         <p:spPr>
           <a:xfrm>
-            <a:off x="2411760" y="1707654"/>
+            <a:off x="1763688" y="3476507"/>
             <a:ext cx="2751563" cy="1512168"/>
           </a:xfrm>
           <a:prstGeom prst="rect">
@@ -20545,14 +22278,14 @@
       </p:pic>
       <p:sp>
         <p:nvSpPr>
-          <p:cNvPr id="7" name="文本框 6"/>
+          <p:cNvPr id="12" name="文本框 11"/>
           <p:cNvSpPr txBox="1"/>
           <p:nvPr/>
         </p:nvSpPr>
         <p:spPr>
           <a:xfrm>
-            <a:off x="1115616" y="3097872"/>
-            <a:ext cx="7344816" cy="336695"/>
+            <a:off x="1187624" y="2875705"/>
+            <a:ext cx="6480720" cy="646331"/>
           </a:xfrm>
           <a:prstGeom prst="rect">
             <a:avLst/>
@@ -20581,7 +22314,7 @@
                 <a:latin typeface="微软雅黑" panose="020B0503020204020204" pitchFamily="34" charset="-122"/>
                 <a:ea typeface="微软雅黑" panose="020B0503020204020204" pitchFamily="34" charset="-122"/>
               </a:rPr>
-              <a:t>2.  </a:t>
+              <a:t>2. </a:t>
             </a:r>
             <a:r>
               <a:rPr lang="zh-CN" altLang="en-US" sz="1200" dirty="0" smtClean="0">
@@ -20594,10 +22327,10 @@
                 <a:latin typeface="微软雅黑" panose="020B0503020204020204" pitchFamily="34" charset="-122"/>
                 <a:ea typeface="微软雅黑" panose="020B0503020204020204" pitchFamily="34" charset="-122"/>
               </a:rPr>
-              <a:t>取</a:t>
-            </a:r>
-            <a:r>
-              <a:rPr lang="en-US" altLang="zh-CN" sz="1200" dirty="0" smtClean="0">
+              <a:t>因为</a:t>
+            </a:r>
+            <a:r>
+              <a:rPr lang="zh-CN" altLang="en-US" sz="1200" dirty="0">
                 <a:solidFill>
                   <a:schemeClr val="tx1">
                     <a:lumMod val="75000"/>
@@ -20607,10 +22340,10 @@
                 <a:latin typeface="微软雅黑" panose="020B0503020204020204" pitchFamily="34" charset="-122"/>
                 <a:ea typeface="微软雅黑" panose="020B0503020204020204" pitchFamily="34" charset="-122"/>
               </a:rPr>
-              <a:t>X</a:t>
-            </a:r>
-            <a:r>
-              <a:rPr lang="zh-CN" altLang="en-US" sz="1200" dirty="0" smtClean="0">
+              <a:t>奇异值矩阵</a:t>
+            </a:r>
+            <a:r>
+              <a:rPr lang="en-US" altLang="zh-CN" sz="1200" dirty="0">
                 <a:solidFill>
                   <a:schemeClr val="tx1">
                     <a:lumMod val="75000"/>
@@ -20620,10 +22353,10 @@
                 <a:latin typeface="微软雅黑" panose="020B0503020204020204" pitchFamily="34" charset="-122"/>
                 <a:ea typeface="微软雅黑" panose="020B0503020204020204" pitchFamily="34" charset="-122"/>
               </a:rPr>
-              <a:t>的前</a:t>
-            </a:r>
-            <a:r>
-              <a:rPr lang="en-US" altLang="zh-CN" sz="1200" dirty="0" smtClean="0">
+              <a:t>S</a:t>
+            </a:r>
+            <a:r>
+              <a:rPr lang="zh-CN" altLang="en-US" sz="1200" dirty="0">
                 <a:solidFill>
                   <a:schemeClr val="tx1">
                     <a:lumMod val="75000"/>
@@ -20633,10 +22366,10 @@
                 <a:latin typeface="微软雅黑" panose="020B0503020204020204" pitchFamily="34" charset="-122"/>
                 <a:ea typeface="微软雅黑" panose="020B0503020204020204" pitchFamily="34" charset="-122"/>
               </a:rPr>
-              <a:t>d</a:t>
-            </a:r>
-            <a:r>
-              <a:rPr lang="zh-CN" altLang="en-US" sz="1200" dirty="0" smtClean="0">
+              <a:t>中的奇异值已经按照大小排序，所以直接取</a:t>
+            </a:r>
+            <a:r>
+              <a:rPr lang="en-US" altLang="zh-CN" sz="1200" dirty="0">
                 <a:solidFill>
                   <a:schemeClr val="tx1">
                     <a:lumMod val="75000"/>
@@ -20646,10 +22379,10 @@
                 <a:latin typeface="微软雅黑" panose="020B0503020204020204" pitchFamily="34" charset="-122"/>
                 <a:ea typeface="微软雅黑" panose="020B0503020204020204" pitchFamily="34" charset="-122"/>
               </a:rPr>
-              <a:t>列，</a:t>
-            </a:r>
-            <a:r>
-              <a:rPr lang="en-US" altLang="zh-CN" sz="1200" dirty="0" smtClean="0">
+              <a:t>X</a:t>
+            </a:r>
+            <a:r>
+              <a:rPr lang="zh-CN" altLang="en-US" sz="1200" dirty="0">
                 <a:solidFill>
                   <a:schemeClr val="tx1">
                     <a:lumMod val="75000"/>
@@ -20659,10 +22392,10 @@
                 <a:latin typeface="微软雅黑" panose="020B0503020204020204" pitchFamily="34" charset="-122"/>
                 <a:ea typeface="微软雅黑" panose="020B0503020204020204" pitchFamily="34" charset="-122"/>
               </a:rPr>
-              <a:t>S</a:t>
-            </a:r>
-            <a:r>
-              <a:rPr lang="zh-CN" altLang="en-US" sz="1200" dirty="0" smtClean="0">
+              <a:t>的前</a:t>
+            </a:r>
+            <a:r>
+              <a:rPr lang="en-US" altLang="zh-CN" sz="1200" dirty="0">
                 <a:solidFill>
                   <a:schemeClr val="tx1">
                     <a:lumMod val="75000"/>
@@ -20672,10 +22405,10 @@
                 <a:latin typeface="微软雅黑" panose="020B0503020204020204" pitchFamily="34" charset="-122"/>
                 <a:ea typeface="微软雅黑" panose="020B0503020204020204" pitchFamily="34" charset="-122"/>
               </a:rPr>
-              <a:t>的前</a:t>
-            </a:r>
-            <a:r>
-              <a:rPr lang="en-US" altLang="zh-CN" sz="1200" dirty="0" smtClean="0">
+              <a:t>d</a:t>
+            </a:r>
+            <a:r>
+              <a:rPr lang="zh-CN" altLang="en-US" sz="1200" dirty="0">
                 <a:solidFill>
                   <a:schemeClr val="tx1">
                     <a:lumMod val="75000"/>
@@ -20685,10 +22418,10 @@
                 <a:latin typeface="微软雅黑" panose="020B0503020204020204" pitchFamily="34" charset="-122"/>
                 <a:ea typeface="微软雅黑" panose="020B0503020204020204" pitchFamily="34" charset="-122"/>
               </a:rPr>
-              <a:t>d</a:t>
-            </a:r>
-            <a:r>
-              <a:rPr lang="zh-CN" altLang="en-US" sz="1200" dirty="0" smtClean="0">
+              <a:t>列与</a:t>
+            </a:r>
+            <a:r>
+              <a:rPr lang="en-US" altLang="zh-CN" sz="1200" dirty="0">
                 <a:solidFill>
                   <a:schemeClr val="tx1">
                     <a:lumMod val="75000"/>
@@ -20698,10 +22431,10 @@
                 <a:latin typeface="微软雅黑" panose="020B0503020204020204" pitchFamily="34" charset="-122"/>
                 <a:ea typeface="微软雅黑" panose="020B0503020204020204" pitchFamily="34" charset="-122"/>
               </a:rPr>
-              <a:t>行</a:t>
-            </a:r>
-            <a:r>
-              <a:rPr lang="en-US" altLang="zh-CN" sz="1200" dirty="0" smtClean="0">
+              <a:t>S</a:t>
+            </a:r>
+            <a:r>
+              <a:rPr lang="zh-CN" altLang="en-US" sz="1200" dirty="0">
                 <a:solidFill>
                   <a:schemeClr val="tx1">
                     <a:lumMod val="75000"/>
@@ -20711,10 +22444,10 @@
                 <a:latin typeface="微软雅黑" panose="020B0503020204020204" pitchFamily="34" charset="-122"/>
                 <a:ea typeface="微软雅黑" panose="020B0503020204020204" pitchFamily="34" charset="-122"/>
               </a:rPr>
-              <a:t>d</a:t>
-            </a:r>
-            <a:r>
-              <a:rPr lang="zh-CN" altLang="en-US" sz="1200" dirty="0" smtClean="0">
+              <a:t>的前</a:t>
+            </a:r>
+            <a:r>
+              <a:rPr lang="en-US" altLang="zh-CN" sz="1200" dirty="0">
                 <a:solidFill>
                   <a:schemeClr val="tx1">
                     <a:lumMod val="75000"/>
@@ -20724,7 +22457,46 @@
                 <a:latin typeface="微软雅黑" panose="020B0503020204020204" pitchFamily="34" charset="-122"/>
                 <a:ea typeface="微软雅黑" panose="020B0503020204020204" pitchFamily="34" charset="-122"/>
               </a:rPr>
-              <a:t>列相乘</a:t>
+              <a:t>d</a:t>
+            </a:r>
+            <a:r>
+              <a:rPr lang="zh-CN" altLang="en-US" sz="1200" dirty="0">
+                <a:solidFill>
+                  <a:schemeClr val="tx1">
+                    <a:lumMod val="75000"/>
+                    <a:lumOff val="25000"/>
+                  </a:schemeClr>
+                </a:solidFill>
+                <a:latin typeface="微软雅黑" panose="020B0503020204020204" pitchFamily="34" charset="-122"/>
+                <a:ea typeface="微软雅黑" panose="020B0503020204020204" pitchFamily="34" charset="-122"/>
+              </a:rPr>
+              <a:t>行</a:t>
+            </a:r>
+            <a:r>
+              <a:rPr lang="en-US" altLang="zh-CN" sz="1200" dirty="0">
+                <a:solidFill>
+                  <a:schemeClr val="tx1">
+                    <a:lumMod val="75000"/>
+                    <a:lumOff val="25000"/>
+                  </a:schemeClr>
+                </a:solidFill>
+                <a:latin typeface="微软雅黑" panose="020B0503020204020204" pitchFamily="34" charset="-122"/>
+                <a:ea typeface="微软雅黑" panose="020B0503020204020204" pitchFamily="34" charset="-122"/>
+              </a:rPr>
+              <a:t>d</a:t>
+            </a:r>
+            <a:r>
+              <a:rPr lang="zh-CN" altLang="en-US" sz="1200" dirty="0">
+                <a:solidFill>
+                  <a:schemeClr val="tx1">
+                    <a:lumMod val="75000"/>
+                    <a:lumOff val="25000"/>
+                  </a:schemeClr>
+                </a:solidFill>
+                <a:latin typeface="微软雅黑" panose="020B0503020204020204" pitchFamily="34" charset="-122"/>
+                <a:ea typeface="微软雅黑" panose="020B0503020204020204" pitchFamily="34" charset="-122"/>
+              </a:rPr>
+              <a:t>列相乘即可得到降维后的数据。</a:t>
             </a:r>
             <a:endParaRPr lang="en-US" altLang="zh-CN" sz="1200" dirty="0" smtClean="0">
               <a:solidFill>
@@ -20741,7 +22513,7 @@
       </p:sp>
       <p:pic>
         <p:nvPicPr>
-          <p:cNvPr id="6" name="图片 5"/>
+          <p:cNvPr id="13" name="图片 12"/>
           <p:cNvPicPr>
             <a:picLocks noChangeAspect="1"/>
           </p:cNvPicPr>
@@ -20761,7 +22533,7 @@
         </p:blipFill>
         <p:spPr>
           <a:xfrm>
-            <a:off x="3203848" y="3449377"/>
+            <a:off x="5724128" y="3473951"/>
             <a:ext cx="1310167" cy="1452513"/>
           </a:xfrm>
           <a:prstGeom prst="rect">
